--- a/docs/Introduction to Raspberry Pi.pptx
+++ b/docs/Introduction to Raspberry Pi.pptx
@@ -6,11 +6,12 @@
   </p:sldMasterIdLst>
   <p:sldIdLst>
     <p:sldId id="256" r:id="rId2"/>
-    <p:sldId id="257" r:id="rId3"/>
-    <p:sldId id="258" r:id="rId4"/>
-    <p:sldId id="259" r:id="rId5"/>
-    <p:sldId id="260" r:id="rId6"/>
-    <p:sldId id="261" r:id="rId7"/>
+    <p:sldId id="258" r:id="rId3"/>
+    <p:sldId id="257" r:id="rId4"/>
+    <p:sldId id="262" r:id="rId5"/>
+    <p:sldId id="259" r:id="rId6"/>
+    <p:sldId id="260" r:id="rId7"/>
+    <p:sldId id="261" r:id="rId8"/>
   </p:sldIdLst>
   <p:sldSz cx="12192000" cy="6858000"/>
   <p:notesSz cx="7315200" cy="9601200"/>
@@ -128,6 +129,14 @@
 </p:presentation>
 </file>
 
+<file path=ppt/revisionInfo.xml><?xml version="1.0" encoding="utf-8"?>
+<p1510:revInfo xmlns:a="http://schemas.openxmlformats.org/drawingml/2006/main" xmlns:r="http://schemas.openxmlformats.org/officeDocument/2006/relationships" xmlns:p1510="http://schemas.microsoft.com/office/powerpoint/2015/10/main">
+  <p1510:revLst>
+    <p1510:client id="{A10299F9-A338-4F7D-9D9B-6AD54D31B608}" v="11" dt="2019-07-10T13:49:35.946"/>
+  </p1510:revLst>
+</p1510:revInfo>
+</file>
+
 <file path=ppt/changesInfos/changesInfo1.xml><?xml version="1.0" encoding="utf-8"?>
 <pc:chgInfo xmlns:a="http://schemas.openxmlformats.org/drawingml/2006/main" xmlns:r="http://schemas.openxmlformats.org/officeDocument/2006/relationships" xmlns:ac="http://schemas.microsoft.com/office/drawing/2013/main/command" xmlns:pc="http://schemas.microsoft.com/office/powerpoint/2013/main/command">
   <pc:docChgLst>
@@ -164,6 +173,106 @@
             <pc:docMk/>
             <pc:sldMk cId="2797844130" sldId="260"/>
             <ac:spMk id="5" creationId="{00000000-0000-0000-0000-000000000000}"/>
+          </ac:spMkLst>
+        </pc:spChg>
+      </pc:sldChg>
+    </pc:docChg>
+  </pc:docChgLst>
+  <pc:docChgLst>
+    <pc:chgData name="Daniel McCue" userId="2adacd62fe8472ca" providerId="LiveId" clId="{A10299F9-A338-4F7D-9D9B-6AD54D31B608}"/>
+    <pc:docChg chg="undo custSel addSld modSld sldOrd">
+      <pc:chgData name="Daniel McCue" userId="2adacd62fe8472ca" providerId="LiveId" clId="{A10299F9-A338-4F7D-9D9B-6AD54D31B608}" dt="2019-07-10T13:52:36.498" v="435" actId="20577"/>
+      <pc:docMkLst>
+        <pc:docMk/>
+      </pc:docMkLst>
+      <pc:sldChg chg="modSp">
+        <pc:chgData name="Daniel McCue" userId="2adacd62fe8472ca" providerId="LiveId" clId="{A10299F9-A338-4F7D-9D9B-6AD54D31B608}" dt="2019-07-10T13:42:50.891" v="2" actId="404"/>
+        <pc:sldMkLst>
+          <pc:docMk/>
+          <pc:sldMk cId="3378591039" sldId="256"/>
+        </pc:sldMkLst>
+        <pc:spChg chg="mod">
+          <ac:chgData name="Daniel McCue" userId="2adacd62fe8472ca" providerId="LiveId" clId="{A10299F9-A338-4F7D-9D9B-6AD54D31B608}" dt="2019-07-10T13:42:50.891" v="2" actId="404"/>
+          <ac:spMkLst>
+            <pc:docMk/>
+            <pc:sldMk cId="3378591039" sldId="256"/>
+            <ac:spMk id="2" creationId="{00000000-0000-0000-0000-000000000000}"/>
+          </ac:spMkLst>
+        </pc:spChg>
+      </pc:sldChg>
+      <pc:sldChg chg="addSp delSp modSp">
+        <pc:chgData name="Daniel McCue" userId="2adacd62fe8472ca" providerId="LiveId" clId="{A10299F9-A338-4F7D-9D9B-6AD54D31B608}" dt="2019-07-10T13:51:55.685" v="432" actId="255"/>
+        <pc:sldMkLst>
+          <pc:docMk/>
+          <pc:sldMk cId="3649584777" sldId="257"/>
+        </pc:sldMkLst>
+        <pc:spChg chg="mod">
+          <ac:chgData name="Daniel McCue" userId="2adacd62fe8472ca" providerId="LiveId" clId="{A10299F9-A338-4F7D-9D9B-6AD54D31B608}" dt="2019-07-10T13:51:55.685" v="432" actId="255"/>
+          <ac:spMkLst>
+            <pc:docMk/>
+            <pc:sldMk cId="3649584777" sldId="257"/>
+            <ac:spMk id="3" creationId="{00000000-0000-0000-0000-000000000000}"/>
+          </ac:spMkLst>
+        </pc:spChg>
+        <pc:spChg chg="add del">
+          <ac:chgData name="Daniel McCue" userId="2adacd62fe8472ca" providerId="LiveId" clId="{A10299F9-A338-4F7D-9D9B-6AD54D31B608}" dt="2019-07-10T13:47:36.030" v="392"/>
+          <ac:spMkLst>
+            <pc:docMk/>
+            <pc:sldMk cId="3649584777" sldId="257"/>
+            <ac:spMk id="5" creationId="{A9548B83-878E-4F5C-BA29-4CF11285CC73}"/>
+          </ac:spMkLst>
+        </pc:spChg>
+      </pc:sldChg>
+      <pc:sldChg chg="modSp ord">
+        <pc:chgData name="Daniel McCue" userId="2adacd62fe8472ca" providerId="LiveId" clId="{A10299F9-A338-4F7D-9D9B-6AD54D31B608}" dt="2019-07-10T13:47:48.997" v="394"/>
+        <pc:sldMkLst>
+          <pc:docMk/>
+          <pc:sldMk cId="2813120939" sldId="258"/>
+        </pc:sldMkLst>
+        <pc:spChg chg="mod">
+          <ac:chgData name="Daniel McCue" userId="2adacd62fe8472ca" providerId="LiveId" clId="{A10299F9-A338-4F7D-9D9B-6AD54D31B608}" dt="2019-07-10T13:47:09.107" v="390" actId="20577"/>
+          <ac:spMkLst>
+            <pc:docMk/>
+            <pc:sldMk cId="2813120939" sldId="258"/>
+            <ac:spMk id="3" creationId="{00000000-0000-0000-0000-000000000000}"/>
+          </ac:spMkLst>
+        </pc:spChg>
+      </pc:sldChg>
+      <pc:sldChg chg="modSp">
+        <pc:chgData name="Daniel McCue" userId="2adacd62fe8472ca" providerId="LiveId" clId="{A10299F9-A338-4F7D-9D9B-6AD54D31B608}" dt="2019-07-10T13:52:36.498" v="435" actId="20577"/>
+        <pc:sldMkLst>
+          <pc:docMk/>
+          <pc:sldMk cId="1454895644" sldId="259"/>
+        </pc:sldMkLst>
+        <pc:spChg chg="mod">
+          <ac:chgData name="Daniel McCue" userId="2adacd62fe8472ca" providerId="LiveId" clId="{A10299F9-A338-4F7D-9D9B-6AD54D31B608}" dt="2019-07-10T13:52:36.498" v="435" actId="20577"/>
+          <ac:spMkLst>
+            <pc:docMk/>
+            <pc:sldMk cId="1454895644" sldId="259"/>
+            <ac:spMk id="3" creationId="{00000000-0000-0000-0000-000000000000}"/>
+          </ac:spMkLst>
+        </pc:spChg>
+      </pc:sldChg>
+      <pc:sldChg chg="modSp add">
+        <pc:chgData name="Daniel McCue" userId="2adacd62fe8472ca" providerId="LiveId" clId="{A10299F9-A338-4F7D-9D9B-6AD54D31B608}" dt="2019-07-10T13:51:27.597" v="428" actId="403"/>
+        <pc:sldMkLst>
+          <pc:docMk/>
+          <pc:sldMk cId="1054466814" sldId="262"/>
+        </pc:sldMkLst>
+        <pc:spChg chg="mod">
+          <ac:chgData name="Daniel McCue" userId="2adacd62fe8472ca" providerId="LiveId" clId="{A10299F9-A338-4F7D-9D9B-6AD54D31B608}" dt="2019-07-10T13:47:54.917" v="397" actId="20577"/>
+          <ac:spMkLst>
+            <pc:docMk/>
+            <pc:sldMk cId="1054466814" sldId="262"/>
+            <ac:spMk id="2" creationId="{00000000-0000-0000-0000-000000000000}"/>
+          </ac:spMkLst>
+        </pc:spChg>
+        <pc:spChg chg="mod">
+          <ac:chgData name="Daniel McCue" userId="2adacd62fe8472ca" providerId="LiveId" clId="{A10299F9-A338-4F7D-9D9B-6AD54D31B608}" dt="2019-07-10T13:51:27.597" v="428" actId="403"/>
+          <ac:spMkLst>
+            <pc:docMk/>
+            <pc:sldMk cId="1054466814" sldId="262"/>
+            <ac:spMk id="3" creationId="{00000000-0000-0000-0000-000000000000}"/>
           </ac:spMkLst>
         </pc:spChg>
       </pc:sldChg>
@@ -508,7 +617,7 @@
             <a:fld id="{5923F103-BC34-4FE4-A40E-EDDEECFDA5D0}" type="datetimeFigureOut">
               <a:rPr lang="en-US" dirty="0"/>
               <a:pPr/>
-              <a:t>4/28/2019</a:t>
+              <a:t>7/10/2019</a:t>
             </a:fld>
             <a:endParaRPr lang="en-US" dirty="0"/>
           </a:p>
@@ -1596,7 +1705,7 @@
           <a:p>
             <a:fld id="{923A1CC3-2375-41D4-9E03-427CAF2A4C1A}" type="datetimeFigureOut">
               <a:rPr lang="en-US" dirty="0"/>
-              <a:t>4/28/2019</a:t>
+              <a:t>7/10/2019</a:t>
             </a:fld>
             <a:endParaRPr lang="en-US" dirty="0"/>
           </a:p>
@@ -2576,7 +2685,7 @@
           <a:p>
             <a:fld id="{AFF16868-8199-4C2C-A5B1-63AEE139F88E}" type="datetimeFigureOut">
               <a:rPr lang="en-US" dirty="0"/>
-              <a:t>4/28/2019</a:t>
+              <a:t>7/10/2019</a:t>
             </a:fld>
             <a:endParaRPr lang="en-US" dirty="0"/>
           </a:p>
@@ -3710,7 +3819,7 @@
           <a:p>
             <a:fld id="{AAD9FF7F-6988-44CC-821B-644E70CD2F73}" type="datetimeFigureOut">
               <a:rPr lang="en-US" dirty="0"/>
-              <a:t>4/28/2019</a:t>
+              <a:t>7/10/2019</a:t>
             </a:fld>
             <a:endParaRPr lang="en-US" dirty="0"/>
           </a:p>
@@ -4743,7 +4852,7 @@
           <a:p>
             <a:fld id="{5C12C299-16B2-4475-990D-751901EACC14}" type="datetimeFigureOut">
               <a:rPr lang="en-US" dirty="0"/>
-              <a:t>4/28/2019</a:t>
+              <a:t>7/10/2019</a:t>
             </a:fld>
             <a:endParaRPr lang="en-US" dirty="0"/>
           </a:p>
@@ -5403,7 +5512,7 @@
           <a:p>
             <a:fld id="{9FE86839-B9D8-4651-8783-F325ECE74E65}" type="datetimeFigureOut">
               <a:rPr lang="en-US" dirty="0"/>
-              <a:t>4/28/2019</a:t>
+              <a:t>7/10/2019</a:t>
             </a:fld>
             <a:endParaRPr lang="en-US" dirty="0"/>
           </a:p>
@@ -6264,7 +6373,7 @@
           <a:p>
             <a:fld id="{FD484F64-32F6-45C5-931F-ADC1662401D0}" type="datetimeFigureOut">
               <a:rPr lang="en-US" dirty="0"/>
-              <a:t>4/28/2019</a:t>
+              <a:t>7/10/2019</a:t>
             </a:fld>
             <a:endParaRPr lang="en-US" dirty="0"/>
           </a:p>
@@ -6454,7 +6563,7 @@
           <a:p>
             <a:fld id="{53086D93-FCAC-47E0-A2EE-787E62CA814C}" type="datetimeFigureOut">
               <a:rPr lang="en-US" dirty="0"/>
-              <a:t>4/28/2019</a:t>
+              <a:t>7/10/2019</a:t>
             </a:fld>
             <a:endParaRPr lang="en-US" dirty="0"/>
           </a:p>
@@ -7426,7 +7535,7 @@
           <a:p>
             <a:fld id="{CDA879A6-0FD0-4734-A311-86BFCA472E6E}" type="datetimeFigureOut">
               <a:rPr lang="en-US" dirty="0"/>
-              <a:t>4/28/2019</a:t>
+              <a:t>7/10/2019</a:t>
             </a:fld>
             <a:endParaRPr lang="en-US" dirty="0"/>
           </a:p>
@@ -7637,7 +7746,7 @@
           <a:p>
             <a:fld id="{19C9CA7B-DFD4-44B5-8C60-D14B8CD1FB59}" type="datetimeFigureOut">
               <a:rPr lang="en-US" dirty="0"/>
-              <a:t>4/28/2019</a:t>
+              <a:t>7/10/2019</a:t>
             </a:fld>
             <a:endParaRPr lang="en-US" dirty="0"/>
           </a:p>
@@ -8671,7 +8780,7 @@
           <a:p>
             <a:fld id="{F34E6425-0181-43F2-84FC-787E803FD2F8}" type="datetimeFigureOut">
               <a:rPr lang="en-US" dirty="0"/>
-              <a:t>4/28/2019</a:t>
+              <a:t>7/10/2019</a:t>
             </a:fld>
             <a:endParaRPr lang="en-US" dirty="0"/>
           </a:p>
@@ -8943,7 +9052,7 @@
           <a:p>
             <a:fld id="{3BDB8791-F1B0-41E7-B7FD-A781E65C4266}" type="datetimeFigureOut">
               <a:rPr lang="en-US" dirty="0"/>
-              <a:t>4/28/2019</a:t>
+              <a:t>7/10/2019</a:t>
             </a:fld>
             <a:endParaRPr lang="en-US" dirty="0"/>
           </a:p>
@@ -9353,7 +9462,7 @@
           <a:p>
             <a:fld id="{5FDD63B2-E120-4ED8-B27B-C685F510A5FE}" type="datetimeFigureOut">
               <a:rPr lang="en-US" dirty="0"/>
-              <a:t>4/28/2019</a:t>
+              <a:t>7/10/2019</a:t>
             </a:fld>
             <a:endParaRPr lang="en-US" dirty="0"/>
           </a:p>
@@ -9480,7 +9589,7 @@
           <a:p>
             <a:fld id="{7AA18ACC-A947-437B-A130-35BD54FDF1E9}" type="datetimeFigureOut">
               <a:rPr lang="en-US" dirty="0"/>
-              <a:t>4/28/2019</a:t>
+              <a:t>7/10/2019</a:t>
             </a:fld>
             <a:endParaRPr lang="en-US" dirty="0"/>
           </a:p>
@@ -9575,7 +9684,7 @@
           <a:p>
             <a:fld id="{7C8D7E02-BCB8-4D50-A234-369438C08659}" type="datetimeFigureOut">
               <a:rPr lang="en-US" dirty="0"/>
-              <a:t>4/28/2019</a:t>
+              <a:t>7/10/2019</a:t>
             </a:fld>
             <a:endParaRPr lang="en-US" dirty="0"/>
           </a:p>
@@ -10656,7 +10765,7 @@
           <a:p>
             <a:fld id="{76E86A4C-8E40-4F87-A4F0-01A0687C5742}" type="datetimeFigureOut">
               <a:rPr lang="en-US" dirty="0"/>
-              <a:t>4/28/2019</a:t>
+              <a:t>7/10/2019</a:t>
             </a:fld>
             <a:endParaRPr lang="en-US" dirty="0"/>
           </a:p>
@@ -11764,7 +11873,7 @@
           <a:p>
             <a:fld id="{35E72C73-2D91-4E12-BA25-F0AA0C03599B}" type="datetimeFigureOut">
               <a:rPr lang="en-US" dirty="0"/>
-              <a:t>4/28/2019</a:t>
+              <a:t>7/10/2019</a:t>
             </a:fld>
             <a:endParaRPr lang="en-US" dirty="0"/>
           </a:p>
@@ -12761,7 +12870,7 @@
           <a:p>
             <a:fld id="{2BE451C3-0FF4-47C4-B829-773ADF60F88C}" type="datetimeFigureOut">
               <a:rPr lang="en-US" dirty="0"/>
-              <a:t>4/28/2019</a:t>
+              <a:t>7/10/2019</a:t>
             </a:fld>
             <a:endParaRPr lang="en-US" dirty="0"/>
           </a:p>
@@ -13337,7 +13446,7 @@
           <a:lstStyle/>
           <a:p>
             <a:r>
-              <a:rPr lang="en-US" dirty="0"/>
+              <a:rPr lang="en-US" sz="4800" dirty="0"/>
               <a:t>Introduction to Raspberry Pi</a:t>
             </a:r>
           </a:p>
@@ -13423,7 +13532,7 @@
           <a:p>
             <a:r>
               <a:rPr lang="en-US" dirty="0"/>
-              <a:t>Raspberry Pi 3 B+</a:t>
+              <a:t>History</a:t>
             </a:r>
           </a:p>
         </p:txBody>
@@ -13441,86 +13550,180 @@
         <p:spPr/>
         <p:txBody>
           <a:bodyPr>
-            <a:normAutofit fontScale="70000" lnSpcReduction="20000"/>
+            <a:normAutofit lnSpcReduction="10000"/>
           </a:bodyPr>
           <a:lstStyle/>
           <a:p>
             <a:r>
               <a:rPr lang="en-US" dirty="0"/>
+              <a:t>The Raspberry Pi was created in February 2012 by the Raspberry Pi Foundation to promote and teach basic computer science in schools and colleges around the UK. </a:t>
+            </a:r>
+          </a:p>
+          <a:p>
+            <a:r>
+              <a:rPr lang="en-US" dirty="0"/>
+              <a:t>The Raspberry Pi Foundation is a UK-based charity that works to put the power of computing and digital making into the hands of people all over the world. We do this so that more people are able to harness the power of computing and digital technologies for work, to solve problems that matter to them, and to express themselves creatively.</a:t>
+            </a:r>
+          </a:p>
+          <a:p>
+            <a:r>
+              <a:rPr lang="en-US" dirty="0"/>
+              <a:t>More than 1M units sold in the first year, more than 4.5M by 2014</a:t>
+            </a:r>
+          </a:p>
+          <a:p>
+            <a:r>
+              <a:rPr lang="en-US" dirty="0"/>
+              <a:t>Raspberry Pi 4 B went on sale in June 2019, offering faster processor and ports, as well as options for more RAM.</a:t>
+            </a:r>
+          </a:p>
+        </p:txBody>
+      </p:sp>
+    </p:spTree>
+    <p:extLst>
+      <p:ext uri="{BB962C8B-B14F-4D97-AF65-F5344CB8AC3E}">
+        <p14:creationId xmlns:p14="http://schemas.microsoft.com/office/powerpoint/2010/main" val="2813120939"/>
+      </p:ext>
+    </p:extLst>
+  </p:cSld>
+  <p:clrMapOvr>
+    <a:masterClrMapping/>
+  </p:clrMapOvr>
+</p:sld>
+</file>
+
+<file path=ppt/slides/slide3.xml><?xml version="1.0" encoding="utf-8"?>
+<p:sld xmlns:a="http://schemas.openxmlformats.org/drawingml/2006/main" xmlns:r="http://schemas.openxmlformats.org/officeDocument/2006/relationships" xmlns:p="http://schemas.openxmlformats.org/presentationml/2006/main">
+  <p:cSld>
+    <p:spTree>
+      <p:nvGrpSpPr>
+        <p:cNvPr id="1" name=""/>
+        <p:cNvGrpSpPr/>
+        <p:nvPr/>
+      </p:nvGrpSpPr>
+      <p:grpSpPr>
+        <a:xfrm>
+          <a:off x="0" y="0"/>
+          <a:ext cx="0" cy="0"/>
+          <a:chOff x="0" y="0"/>
+          <a:chExt cx="0" cy="0"/>
+        </a:xfrm>
+      </p:grpSpPr>
+      <p:sp>
+        <p:nvSpPr>
+          <p:cNvPr id="2" name="Title 1"/>
+          <p:cNvSpPr>
+            <a:spLocks noGrp="1"/>
+          </p:cNvSpPr>
+          <p:nvPr>
+            <p:ph type="title"/>
+          </p:nvPr>
+        </p:nvSpPr>
+        <p:spPr/>
+        <p:txBody>
+          <a:bodyPr/>
+          <a:lstStyle/>
+          <a:p>
+            <a:r>
+              <a:rPr lang="en-US" dirty="0"/>
+              <a:t>Raspberry Pi 3 B+</a:t>
+            </a:r>
+          </a:p>
+        </p:txBody>
+      </p:sp>
+      <p:sp>
+        <p:nvSpPr>
+          <p:cNvPr id="3" name="Content Placeholder 2"/>
+          <p:cNvSpPr>
+            <a:spLocks noGrp="1"/>
+          </p:cNvSpPr>
+          <p:nvPr>
+            <p:ph idx="1"/>
+          </p:nvPr>
+        </p:nvSpPr>
+        <p:spPr/>
+        <p:txBody>
+          <a:bodyPr>
+            <a:noAutofit/>
+          </a:bodyPr>
+          <a:lstStyle/>
+          <a:p>
+            <a:r>
+              <a:rPr lang="en-US" sz="1200" dirty="0"/>
               <a:t>Broadcom BCM2837B0, Cortex-A53 (ARMv8) 64-bit </a:t>
             </a:r>
             <a:r>
-              <a:rPr lang="en-US" dirty="0" err="1"/>
+              <a:rPr lang="en-US" sz="1200" dirty="0" err="1"/>
               <a:t>SoC</a:t>
             </a:r>
             <a:r>
-              <a:rPr lang="en-US" dirty="0"/>
+              <a:rPr lang="en-US" sz="1200" dirty="0"/>
               <a:t> @ 1.4GHz</a:t>
             </a:r>
           </a:p>
           <a:p>
             <a:r>
-              <a:rPr lang="en-US" dirty="0"/>
+              <a:rPr lang="en-US" sz="1200" dirty="0"/>
               <a:t>1GB LPDDR2 SDRAM</a:t>
             </a:r>
           </a:p>
           <a:p>
             <a:r>
-              <a:rPr lang="en-US" dirty="0"/>
+              <a:rPr lang="en-US" sz="1200" dirty="0"/>
               <a:t>2.4GHz and 5GHz IEEE 802.11.b/g/n/ac wireless LAN, Bluetooth 4.2, BLE</a:t>
             </a:r>
           </a:p>
           <a:p>
             <a:r>
-              <a:rPr lang="en-US" dirty="0"/>
+              <a:rPr lang="en-US" sz="1200" dirty="0"/>
               <a:t>Gigabit Ethernet over USB 2.0 (maximum throughput 300 Mbps)</a:t>
             </a:r>
           </a:p>
           <a:p>
             <a:r>
-              <a:rPr lang="en-US" dirty="0"/>
+              <a:rPr lang="en-US" sz="1200" dirty="0"/>
               <a:t>Extended 40-pin GPIO header</a:t>
             </a:r>
           </a:p>
           <a:p>
             <a:r>
-              <a:rPr lang="en-US" dirty="0"/>
+              <a:rPr lang="en-US" sz="1200" dirty="0"/>
               <a:t>Full-size HDMI</a:t>
             </a:r>
           </a:p>
           <a:p>
             <a:r>
-              <a:rPr lang="en-US" dirty="0"/>
+              <a:rPr lang="en-US" sz="1200" dirty="0"/>
               <a:t>4 USB 2.0 ports</a:t>
             </a:r>
           </a:p>
           <a:p>
             <a:r>
-              <a:rPr lang="en-US" dirty="0"/>
+              <a:rPr lang="en-US" sz="1200" dirty="0"/>
               <a:t>CSI camera port for connecting a Raspberry Pi camera</a:t>
             </a:r>
           </a:p>
           <a:p>
             <a:r>
-              <a:rPr lang="en-US" dirty="0"/>
+              <a:rPr lang="en-US" sz="1200" dirty="0"/>
               <a:t>DSI display port for connecting a Raspberry Pi touchscreen display</a:t>
             </a:r>
           </a:p>
           <a:p>
             <a:r>
-              <a:rPr lang="en-US" dirty="0"/>
+              <a:rPr lang="en-US" sz="1200" dirty="0"/>
               <a:t>4-pole stereo output and composite video port</a:t>
             </a:r>
           </a:p>
           <a:p>
             <a:r>
-              <a:rPr lang="en-US" dirty="0"/>
+              <a:rPr lang="en-US" sz="1200" dirty="0"/>
               <a:t>Micro SD port for loading your operating system and storing data</a:t>
             </a:r>
           </a:p>
           <a:p>
             <a:r>
-              <a:rPr lang="en-US" dirty="0"/>
+              <a:rPr lang="en-US" sz="1200" dirty="0"/>
               <a:t>5V/2.5A DC power input</a:t>
             </a:r>
           </a:p>
@@ -13568,94 +13771,6 @@
 </p:sld>
 </file>
 
-<file path=ppt/slides/slide3.xml><?xml version="1.0" encoding="utf-8"?>
-<p:sld xmlns:a="http://schemas.openxmlformats.org/drawingml/2006/main" xmlns:r="http://schemas.openxmlformats.org/officeDocument/2006/relationships" xmlns:p="http://schemas.openxmlformats.org/presentationml/2006/main">
-  <p:cSld>
-    <p:spTree>
-      <p:nvGrpSpPr>
-        <p:cNvPr id="1" name=""/>
-        <p:cNvGrpSpPr/>
-        <p:nvPr/>
-      </p:nvGrpSpPr>
-      <p:grpSpPr>
-        <a:xfrm>
-          <a:off x="0" y="0"/>
-          <a:ext cx="0" cy="0"/>
-          <a:chOff x="0" y="0"/>
-          <a:chExt cx="0" cy="0"/>
-        </a:xfrm>
-      </p:grpSpPr>
-      <p:sp>
-        <p:nvSpPr>
-          <p:cNvPr id="2" name="Title 1"/>
-          <p:cNvSpPr>
-            <a:spLocks noGrp="1"/>
-          </p:cNvSpPr>
-          <p:nvPr>
-            <p:ph type="title"/>
-          </p:nvPr>
-        </p:nvSpPr>
-        <p:spPr/>
-        <p:txBody>
-          <a:bodyPr/>
-          <a:lstStyle/>
-          <a:p>
-            <a:r>
-              <a:rPr lang="en-US" dirty="0"/>
-              <a:t>History</a:t>
-            </a:r>
-          </a:p>
-        </p:txBody>
-      </p:sp>
-      <p:sp>
-        <p:nvSpPr>
-          <p:cNvPr id="3" name="Content Placeholder 2"/>
-          <p:cNvSpPr>
-            <a:spLocks noGrp="1"/>
-          </p:cNvSpPr>
-          <p:nvPr>
-            <p:ph idx="1"/>
-          </p:nvPr>
-        </p:nvSpPr>
-        <p:spPr/>
-        <p:txBody>
-          <a:bodyPr>
-            <a:normAutofit/>
-          </a:bodyPr>
-          <a:lstStyle/>
-          <a:p>
-            <a:r>
-              <a:rPr lang="en-US" dirty="0"/>
-              <a:t>The Raspberry Pi was created in February 2012 by the Raspberry Pi Foundation to promote and teach basic computer science in schools and colleges around the UK. </a:t>
-            </a:r>
-          </a:p>
-          <a:p>
-            <a:r>
-              <a:rPr lang="en-US" dirty="0"/>
-              <a:t>The Raspberry Pi Foundation is a UK-based charity that works to put the power of computing and digital making into the hands of people all over the world. We do this so that more people are able to harness the power of computing and digital technologies for work, to solve problems that matter to them, and to express themselves creatively.</a:t>
-            </a:r>
-          </a:p>
-          <a:p>
-            <a:r>
-              <a:rPr lang="en-US" dirty="0"/>
-              <a:t>More than 1M units sold in the first year, more than 4.5M by 2014</a:t>
-            </a:r>
-          </a:p>
-        </p:txBody>
-      </p:sp>
-    </p:spTree>
-    <p:extLst>
-      <p:ext uri="{BB962C8B-B14F-4D97-AF65-F5344CB8AC3E}">
-        <p14:creationId xmlns:p14="http://schemas.microsoft.com/office/powerpoint/2010/main" val="2813120939"/>
-      </p:ext>
-    </p:extLst>
-  </p:cSld>
-  <p:clrMapOvr>
-    <a:masterClrMapping/>
-  </p:clrMapOvr>
-</p:sld>
-</file>
-
 <file path=ppt/slides/slide4.xml><?xml version="1.0" encoding="utf-8"?>
 <p:sld xmlns:a="http://schemas.openxmlformats.org/drawingml/2006/main" xmlns:r="http://schemas.openxmlformats.org/officeDocument/2006/relationships" xmlns:p="http://schemas.openxmlformats.org/presentationml/2006/main">
   <p:cSld>
@@ -13690,6 +13805,177 @@
           <a:p>
             <a:r>
               <a:rPr lang="en-US" dirty="0"/>
+              <a:t>Raspberry Pi 4 B</a:t>
+            </a:r>
+          </a:p>
+        </p:txBody>
+      </p:sp>
+      <p:sp>
+        <p:nvSpPr>
+          <p:cNvPr id="3" name="Content Placeholder 2"/>
+          <p:cNvSpPr>
+            <a:spLocks noGrp="1"/>
+          </p:cNvSpPr>
+          <p:nvPr>
+            <p:ph idx="1"/>
+          </p:nvPr>
+        </p:nvSpPr>
+        <p:spPr/>
+        <p:txBody>
+          <a:bodyPr>
+            <a:noAutofit/>
+          </a:bodyPr>
+          <a:lstStyle/>
+          <a:p>
+            <a:r>
+              <a:rPr lang="en-US" sz="1200" dirty="0"/>
+              <a:t>Broadcom BCM2711, Quad core Cortex-A72 (ARM v8) 64-bit SoC @ 1.5GHz</a:t>
+            </a:r>
+          </a:p>
+          <a:p>
+            <a:r>
+              <a:rPr lang="en-US" sz="1200" dirty="0"/>
+              <a:t>1GB, 2GB or 4GB LPDDR4-2400 SDRAM (depending on model)</a:t>
+            </a:r>
+          </a:p>
+          <a:p>
+            <a:r>
+              <a:rPr lang="en-US" sz="1200" dirty="0"/>
+              <a:t>2.4 GHz and 5.0 GHz IEEE 802.11ac wireless, Bluetooth 5.0, BLE, Gigabit Ethernet</a:t>
+            </a:r>
+          </a:p>
+          <a:p>
+            <a:r>
+              <a:rPr lang="en-US" sz="1200" dirty="0"/>
+              <a:t>2 USB 3.0 ports; 2 USB 2.0 ports</a:t>
+            </a:r>
+          </a:p>
+          <a:p>
+            <a:r>
+              <a:rPr lang="en-US" sz="1200" dirty="0"/>
+              <a:t>Raspberry Pi standard 40 pin GPIO header (fully backwards compatible with previous boards)</a:t>
+            </a:r>
+          </a:p>
+          <a:p>
+            <a:r>
+              <a:rPr lang="en-US" sz="1200" dirty="0"/>
+              <a:t>2 × micro-HDMI ports (up to 4kp60 supported), 2-lane MIPI DSI display port</a:t>
+            </a:r>
+          </a:p>
+          <a:p>
+            <a:r>
+              <a:rPr lang="en-US" sz="1200" dirty="0"/>
+              <a:t>2-lane MIPI CSI camera port</a:t>
+            </a:r>
+          </a:p>
+          <a:p>
+            <a:r>
+              <a:rPr lang="en-US" sz="1200" dirty="0"/>
+              <a:t>4-pole stereo audio and composite video port</a:t>
+            </a:r>
+          </a:p>
+          <a:p>
+            <a:r>
+              <a:rPr lang="en-US" sz="1200" dirty="0"/>
+              <a:t>H.265 (4kp60 decode), H264 (1080p60 decode, 1080p30 encode), OpenGL ES 3.0 graphics</a:t>
+            </a:r>
+          </a:p>
+          <a:p>
+            <a:r>
+              <a:rPr lang="en-US" sz="1200" dirty="0"/>
+              <a:t>Micro-SD card slot for loading operating system and data storage</a:t>
+            </a:r>
+          </a:p>
+          <a:p>
+            <a:r>
+              <a:rPr lang="en-US" sz="1200" dirty="0"/>
+              <a:t>5V DC via USB-C connector (minimum 3A*)</a:t>
+            </a:r>
+          </a:p>
+          <a:p>
+            <a:r>
+              <a:rPr lang="en-US" sz="1200" dirty="0"/>
+              <a:t>5V DC via GPIO header (minimum 3A*)</a:t>
+            </a:r>
+          </a:p>
+        </p:txBody>
+      </p:sp>
+      <p:pic>
+        <p:nvPicPr>
+          <p:cNvPr id="4" name="Picture 3"/>
+          <p:cNvPicPr>
+            <a:picLocks noChangeAspect="1"/>
+          </p:cNvPicPr>
+          <p:nvPr/>
+        </p:nvPicPr>
+        <p:blipFill rotWithShape="1">
+          <a:blip r:embed="rId2">
+            <a:extLst>
+              <a:ext uri="{28A0092B-C50C-407E-A947-70E740481C1C}">
+                <a14:useLocalDpi xmlns:a14="http://schemas.microsoft.com/office/drawing/2010/main" val="0"/>
+              </a:ext>
+            </a:extLst>
+          </a:blip>
+          <a:srcRect l="28249" t="2542" r="29995" b="2525"/>
+          <a:stretch/>
+        </p:blipFill>
+        <p:spPr>
+          <a:xfrm>
+            <a:off x="8593515" y="2348422"/>
+            <a:ext cx="2774196" cy="4207361"/>
+          </a:xfrm>
+          <a:prstGeom prst="rect">
+            <a:avLst/>
+          </a:prstGeom>
+        </p:spPr>
+      </p:pic>
+    </p:spTree>
+    <p:extLst>
+      <p:ext uri="{BB962C8B-B14F-4D97-AF65-F5344CB8AC3E}">
+        <p14:creationId xmlns:p14="http://schemas.microsoft.com/office/powerpoint/2010/main" val="1054466814"/>
+      </p:ext>
+    </p:extLst>
+  </p:cSld>
+  <p:clrMapOvr>
+    <a:masterClrMapping/>
+  </p:clrMapOvr>
+</p:sld>
+</file>
+
+<file path=ppt/slides/slide5.xml><?xml version="1.0" encoding="utf-8"?>
+<p:sld xmlns:a="http://schemas.openxmlformats.org/drawingml/2006/main" xmlns:r="http://schemas.openxmlformats.org/officeDocument/2006/relationships" xmlns:p="http://schemas.openxmlformats.org/presentationml/2006/main">
+  <p:cSld>
+    <p:spTree>
+      <p:nvGrpSpPr>
+        <p:cNvPr id="1" name=""/>
+        <p:cNvGrpSpPr/>
+        <p:nvPr/>
+      </p:nvGrpSpPr>
+      <p:grpSpPr>
+        <a:xfrm>
+          <a:off x="0" y="0"/>
+          <a:ext cx="0" cy="0"/>
+          <a:chOff x="0" y="0"/>
+          <a:chExt cx="0" cy="0"/>
+        </a:xfrm>
+      </p:grpSpPr>
+      <p:sp>
+        <p:nvSpPr>
+          <p:cNvPr id="2" name="Title 1"/>
+          <p:cNvSpPr>
+            <a:spLocks noGrp="1"/>
+          </p:cNvSpPr>
+          <p:nvPr>
+            <p:ph type="title"/>
+          </p:nvPr>
+        </p:nvSpPr>
+        <p:spPr/>
+        <p:txBody>
+          <a:bodyPr/>
+          <a:lstStyle/>
+          <a:p>
+            <a:r>
+              <a:rPr lang="en-US" dirty="0"/>
               <a:t>Linux with GPIO!</a:t>
             </a:r>
           </a:p>
@@ -13708,16 +13994,18 @@
         <p:spPr>
           <a:xfrm>
             <a:off x="1154955" y="2603500"/>
-            <a:ext cx="3122578" cy="3416300"/>
+            <a:ext cx="3861662" cy="3416300"/>
           </a:xfrm>
         </p:spPr>
         <p:txBody>
-          <a:bodyPr/>
+          <a:bodyPr>
+            <a:normAutofit/>
+          </a:bodyPr>
           <a:lstStyle/>
           <a:p>
             <a:r>
               <a:rPr lang="en-US" dirty="0"/>
-              <a:t>At 1.4MHz, quad-core and 1MB of RAM, </a:t>
+              <a:t>At 1.4MHz, quad-core and 1GB of RAM, </a:t>
             </a:r>
             <a:r>
               <a:rPr lang="en-US" dirty="0" err="1"/>
@@ -13725,13 +14013,23 @@
             </a:r>
             <a:r>
               <a:rPr lang="en-US" dirty="0"/>
-              <a:t> is a capable small Linux system</a:t>
-            </a:r>
-          </a:p>
-          <a:p>
+              <a:t> 3 B+ is a capable small Linux system</a:t>
+            </a:r>
+          </a:p>
+          <a:p>
+            <a:r>
+              <a:rPr lang="en-US"/>
+              <a:t>Raspberry </a:t>
+            </a:r>
             <a:r>
               <a:rPr lang="en-US" dirty="0"/>
-              <a:t>GPIO adds possibility of creating different projects e.g., robots</a:t>
+              <a:t>Pi 4 offers a faster processor, two USB 3.0 ports, two (micro) HDMI ports, options of 1GB, 2GB, or 4GB of RAM</a:t>
+            </a:r>
+          </a:p>
+          <a:p>
+            <a:r>
+              <a:rPr lang="en-US" dirty="0"/>
+              <a:t>Both offer GPIO enabling the creation of different projects e.g., robots</a:t>
             </a:r>
           </a:p>
         </p:txBody>
@@ -13779,7 +14077,7 @@
 </p:sld>
 </file>
 
-<file path=ppt/slides/slide5.xml><?xml version="1.0" encoding="utf-8"?>
+<file path=ppt/slides/slide6.xml><?xml version="1.0" encoding="utf-8"?>
 <p:sld xmlns:a="http://schemas.openxmlformats.org/drawingml/2006/main" xmlns:r="http://schemas.openxmlformats.org/officeDocument/2006/relationships" xmlns:p="http://schemas.openxmlformats.org/presentationml/2006/main">
   <p:cSld>
     <p:spTree>
@@ -14019,7 +14317,7 @@
 </p:sld>
 </file>
 
-<file path=ppt/slides/slide6.xml><?xml version="1.0" encoding="utf-8"?>
+<file path=ppt/slides/slide7.xml><?xml version="1.0" encoding="utf-8"?>
 <p:sld xmlns:a="http://schemas.openxmlformats.org/drawingml/2006/main" xmlns:r="http://schemas.openxmlformats.org/officeDocument/2006/relationships" xmlns:p="http://schemas.openxmlformats.org/presentationml/2006/main">
   <p:cSld>
     <p:spTree>

--- a/docs/Introduction to Raspberry Pi.pptx
+++ b/docs/Introduction to Raspberry Pi.pptx
@@ -1,9 +1,12 @@
 
 <file path=ppt/presentation.xml><?xml version="1.0" encoding="utf-8"?>
-<p:presentation xmlns:a="http://schemas.openxmlformats.org/drawingml/2006/main" xmlns:r="http://schemas.openxmlformats.org/officeDocument/2006/relationships" xmlns:p="http://schemas.openxmlformats.org/presentationml/2006/main" autoCompressPictures="0">
+<p:presentation xmlns:a="http://schemas.openxmlformats.org/drawingml/2006/main" xmlns:r="http://schemas.openxmlformats.org/officeDocument/2006/relationships" xmlns:p="http://schemas.openxmlformats.org/presentationml/2006/main" showSpecialPlsOnTitleSld="0" autoCompressPictures="0">
   <p:sldMasterIdLst>
     <p:sldMasterId id="2147483648" r:id="rId1"/>
   </p:sldMasterIdLst>
+  <p:notesMasterIdLst>
+    <p:notesMasterId r:id="rId9"/>
+  </p:notesMasterIdLst>
   <p:sldIdLst>
     <p:sldId id="256" r:id="rId2"/>
     <p:sldId id="258" r:id="rId3"/>
@@ -281,6 +284,355 @@
 </pc:chgInfo>
 </file>
 
+<file path=ppt/notesMasters/notesMaster1.xml><?xml version="1.0" encoding="utf-8"?>
+<p:notesMaster xmlns:a="http://schemas.openxmlformats.org/drawingml/2006/main" xmlns:r="http://schemas.openxmlformats.org/officeDocument/2006/relationships" xmlns:p="http://schemas.openxmlformats.org/presentationml/2006/main">
+  <p:cSld>
+    <p:bg>
+      <p:bgRef idx="1001">
+        <a:schemeClr val="bg1"/>
+      </p:bgRef>
+    </p:bg>
+    <p:spTree>
+      <p:nvGrpSpPr>
+        <p:cNvPr id="1" name=""/>
+        <p:cNvGrpSpPr/>
+        <p:nvPr/>
+      </p:nvGrpSpPr>
+      <p:grpSpPr>
+        <a:xfrm>
+          <a:off x="0" y="0"/>
+          <a:ext cx="0" cy="0"/>
+          <a:chOff x="0" y="0"/>
+          <a:chExt cx="0" cy="0"/>
+        </a:xfrm>
+      </p:grpSpPr>
+      <p:sp>
+        <p:nvSpPr>
+          <p:cNvPr id="2" name="Header Placeholder 1"/>
+          <p:cNvSpPr>
+            <a:spLocks noGrp="1"/>
+          </p:cNvSpPr>
+          <p:nvPr>
+            <p:ph type="hdr" sz="quarter"/>
+          </p:nvPr>
+        </p:nvSpPr>
+        <p:spPr>
+          <a:xfrm>
+            <a:off x="0" y="0"/>
+            <a:ext cx="3170238" cy="481013"/>
+          </a:xfrm>
+          <a:prstGeom prst="rect">
+            <a:avLst/>
+          </a:prstGeom>
+        </p:spPr>
+        <p:txBody>
+          <a:bodyPr vert="horz" lIns="91440" tIns="45720" rIns="91440" bIns="45720" rtlCol="0"/>
+          <a:lstStyle>
+            <a:lvl1pPr algn="l">
+              <a:defRPr sz="1200"/>
+            </a:lvl1pPr>
+          </a:lstStyle>
+          <a:p>
+            <a:endParaRPr lang="en-US"/>
+          </a:p>
+        </p:txBody>
+      </p:sp>
+      <p:sp>
+        <p:nvSpPr>
+          <p:cNvPr id="3" name="Date Placeholder 2"/>
+          <p:cNvSpPr>
+            <a:spLocks noGrp="1"/>
+          </p:cNvSpPr>
+          <p:nvPr>
+            <p:ph type="dt" idx="1"/>
+          </p:nvPr>
+        </p:nvSpPr>
+        <p:spPr>
+          <a:xfrm>
+            <a:off x="4143375" y="0"/>
+            <a:ext cx="3170238" cy="481013"/>
+          </a:xfrm>
+          <a:prstGeom prst="rect">
+            <a:avLst/>
+          </a:prstGeom>
+        </p:spPr>
+        <p:txBody>
+          <a:bodyPr vert="horz" lIns="91440" tIns="45720" rIns="91440" bIns="45720" rtlCol="0"/>
+          <a:lstStyle>
+            <a:lvl1pPr algn="r">
+              <a:defRPr sz="1200"/>
+            </a:lvl1pPr>
+          </a:lstStyle>
+          <a:p>
+            <a:fld id="{F668944D-3C9A-4FEA-8A68-0454D140FB77}" type="datetimeFigureOut">
+              <a:rPr lang="en-US" smtClean="0"/>
+              <a:t>9/12/2019</a:t>
+            </a:fld>
+            <a:endParaRPr lang="en-US"/>
+          </a:p>
+        </p:txBody>
+      </p:sp>
+      <p:sp>
+        <p:nvSpPr>
+          <p:cNvPr id="4" name="Slide Image Placeholder 3"/>
+          <p:cNvSpPr>
+            <a:spLocks noGrp="1" noRot="1" noChangeAspect="1"/>
+          </p:cNvSpPr>
+          <p:nvPr>
+            <p:ph type="sldImg" idx="2"/>
+          </p:nvPr>
+        </p:nvSpPr>
+        <p:spPr>
+          <a:xfrm>
+            <a:off x="777875" y="1200150"/>
+            <a:ext cx="5759450" cy="3240088"/>
+          </a:xfrm>
+          <a:prstGeom prst="rect">
+            <a:avLst/>
+          </a:prstGeom>
+          <a:noFill/>
+          <a:ln w="12700">
+            <a:solidFill>
+              <a:prstClr val="black"/>
+            </a:solidFill>
+          </a:ln>
+        </p:spPr>
+        <p:txBody>
+          <a:bodyPr vert="horz" lIns="91440" tIns="45720" rIns="91440" bIns="45720" rtlCol="0" anchor="ctr"/>
+          <a:lstStyle/>
+          <a:p>
+            <a:endParaRPr lang="en-US"/>
+          </a:p>
+        </p:txBody>
+      </p:sp>
+      <p:sp>
+        <p:nvSpPr>
+          <p:cNvPr id="5" name="Notes Placeholder 4"/>
+          <p:cNvSpPr>
+            <a:spLocks noGrp="1"/>
+          </p:cNvSpPr>
+          <p:nvPr>
+            <p:ph type="body" sz="quarter" idx="3"/>
+          </p:nvPr>
+        </p:nvSpPr>
+        <p:spPr>
+          <a:xfrm>
+            <a:off x="731838" y="4621213"/>
+            <a:ext cx="5851525" cy="3779837"/>
+          </a:xfrm>
+          <a:prstGeom prst="rect">
+            <a:avLst/>
+          </a:prstGeom>
+        </p:spPr>
+        <p:txBody>
+          <a:bodyPr vert="horz" lIns="91440" tIns="45720" rIns="91440" bIns="45720" rtlCol="0"/>
+          <a:lstStyle/>
+          <a:p>
+            <a:pPr lvl="0"/>
+            <a:r>
+              <a:rPr lang="en-US"/>
+              <a:t>Click to edit Master text styles</a:t>
+            </a:r>
+          </a:p>
+          <a:p>
+            <a:pPr lvl="1"/>
+            <a:r>
+              <a:rPr lang="en-US"/>
+              <a:t>Second level</a:t>
+            </a:r>
+          </a:p>
+          <a:p>
+            <a:pPr lvl="2"/>
+            <a:r>
+              <a:rPr lang="en-US"/>
+              <a:t>Third level</a:t>
+            </a:r>
+          </a:p>
+          <a:p>
+            <a:pPr lvl="3"/>
+            <a:r>
+              <a:rPr lang="en-US"/>
+              <a:t>Fourth level</a:t>
+            </a:r>
+          </a:p>
+          <a:p>
+            <a:pPr lvl="4"/>
+            <a:r>
+              <a:rPr lang="en-US"/>
+              <a:t>Fifth level</a:t>
+            </a:r>
+          </a:p>
+        </p:txBody>
+      </p:sp>
+      <p:sp>
+        <p:nvSpPr>
+          <p:cNvPr id="6" name="Footer Placeholder 5"/>
+          <p:cNvSpPr>
+            <a:spLocks noGrp="1"/>
+          </p:cNvSpPr>
+          <p:nvPr>
+            <p:ph type="ftr" sz="quarter" idx="4"/>
+          </p:nvPr>
+        </p:nvSpPr>
+        <p:spPr>
+          <a:xfrm>
+            <a:off x="0" y="9120188"/>
+            <a:ext cx="3170238" cy="481012"/>
+          </a:xfrm>
+          <a:prstGeom prst="rect">
+            <a:avLst/>
+          </a:prstGeom>
+        </p:spPr>
+        <p:txBody>
+          <a:bodyPr vert="horz" lIns="91440" tIns="45720" rIns="91440" bIns="45720" rtlCol="0" anchor="b"/>
+          <a:lstStyle>
+            <a:lvl1pPr algn="l">
+              <a:defRPr sz="1200"/>
+            </a:lvl1pPr>
+          </a:lstStyle>
+          <a:p>
+            <a:endParaRPr lang="en-US"/>
+          </a:p>
+        </p:txBody>
+      </p:sp>
+      <p:sp>
+        <p:nvSpPr>
+          <p:cNvPr id="7" name="Slide Number Placeholder 6"/>
+          <p:cNvSpPr>
+            <a:spLocks noGrp="1"/>
+          </p:cNvSpPr>
+          <p:nvPr>
+            <p:ph type="sldNum" sz="quarter" idx="5"/>
+          </p:nvPr>
+        </p:nvSpPr>
+        <p:spPr>
+          <a:xfrm>
+            <a:off x="4143375" y="9120188"/>
+            <a:ext cx="3170238" cy="481012"/>
+          </a:xfrm>
+          <a:prstGeom prst="rect">
+            <a:avLst/>
+          </a:prstGeom>
+        </p:spPr>
+        <p:txBody>
+          <a:bodyPr vert="horz" lIns="91440" tIns="45720" rIns="91440" bIns="45720" rtlCol="0" anchor="b"/>
+          <a:lstStyle>
+            <a:lvl1pPr algn="r">
+              <a:defRPr sz="1200"/>
+            </a:lvl1pPr>
+          </a:lstStyle>
+          <a:p>
+            <a:fld id="{18E4F76A-F4C0-4C41-A6C9-FB650DBC23AB}" type="slidenum">
+              <a:rPr lang="en-US" smtClean="0"/>
+              <a:t>‹#›</a:t>
+            </a:fld>
+            <a:endParaRPr lang="en-US"/>
+          </a:p>
+        </p:txBody>
+      </p:sp>
+    </p:spTree>
+    <p:extLst>
+      <p:ext uri="{BB962C8B-B14F-4D97-AF65-F5344CB8AC3E}">
+        <p14:creationId xmlns:p14="http://schemas.microsoft.com/office/powerpoint/2010/main" val="342188566"/>
+      </p:ext>
+    </p:extLst>
+  </p:cSld>
+  <p:clrMap bg1="lt1" tx1="dk1" bg2="lt2" tx2="dk2" accent1="accent1" accent2="accent2" accent3="accent3" accent4="accent4" accent5="accent5" accent6="accent6" hlink="hlink" folHlink="folHlink"/>
+  <p:notesStyle>
+    <a:lvl1pPr marL="0" algn="l" defTabSz="914400" rtl="0" eaLnBrk="1" latinLnBrk="0" hangingPunct="1">
+      <a:defRPr sz="1200" kern="1200">
+        <a:solidFill>
+          <a:schemeClr val="tx1"/>
+        </a:solidFill>
+        <a:latin typeface="+mn-lt"/>
+        <a:ea typeface="+mn-ea"/>
+        <a:cs typeface="+mn-cs"/>
+      </a:defRPr>
+    </a:lvl1pPr>
+    <a:lvl2pPr marL="457200" algn="l" defTabSz="914400" rtl="0" eaLnBrk="1" latinLnBrk="0" hangingPunct="1">
+      <a:defRPr sz="1200" kern="1200">
+        <a:solidFill>
+          <a:schemeClr val="tx1"/>
+        </a:solidFill>
+        <a:latin typeface="+mn-lt"/>
+        <a:ea typeface="+mn-ea"/>
+        <a:cs typeface="+mn-cs"/>
+      </a:defRPr>
+    </a:lvl2pPr>
+    <a:lvl3pPr marL="914400" algn="l" defTabSz="914400" rtl="0" eaLnBrk="1" latinLnBrk="0" hangingPunct="1">
+      <a:defRPr sz="1200" kern="1200">
+        <a:solidFill>
+          <a:schemeClr val="tx1"/>
+        </a:solidFill>
+        <a:latin typeface="+mn-lt"/>
+        <a:ea typeface="+mn-ea"/>
+        <a:cs typeface="+mn-cs"/>
+      </a:defRPr>
+    </a:lvl3pPr>
+    <a:lvl4pPr marL="1371600" algn="l" defTabSz="914400" rtl="0" eaLnBrk="1" latinLnBrk="0" hangingPunct="1">
+      <a:defRPr sz="1200" kern="1200">
+        <a:solidFill>
+          <a:schemeClr val="tx1"/>
+        </a:solidFill>
+        <a:latin typeface="+mn-lt"/>
+        <a:ea typeface="+mn-ea"/>
+        <a:cs typeface="+mn-cs"/>
+      </a:defRPr>
+    </a:lvl4pPr>
+    <a:lvl5pPr marL="1828800" algn="l" defTabSz="914400" rtl="0" eaLnBrk="1" latinLnBrk="0" hangingPunct="1">
+      <a:defRPr sz="1200" kern="1200">
+        <a:solidFill>
+          <a:schemeClr val="tx1"/>
+        </a:solidFill>
+        <a:latin typeface="+mn-lt"/>
+        <a:ea typeface="+mn-ea"/>
+        <a:cs typeface="+mn-cs"/>
+      </a:defRPr>
+    </a:lvl5pPr>
+    <a:lvl6pPr marL="2286000" algn="l" defTabSz="914400" rtl="0" eaLnBrk="1" latinLnBrk="0" hangingPunct="1">
+      <a:defRPr sz="1200" kern="1200">
+        <a:solidFill>
+          <a:schemeClr val="tx1"/>
+        </a:solidFill>
+        <a:latin typeface="+mn-lt"/>
+        <a:ea typeface="+mn-ea"/>
+        <a:cs typeface="+mn-cs"/>
+      </a:defRPr>
+    </a:lvl6pPr>
+    <a:lvl7pPr marL="2743200" algn="l" defTabSz="914400" rtl="0" eaLnBrk="1" latinLnBrk="0" hangingPunct="1">
+      <a:defRPr sz="1200" kern="1200">
+        <a:solidFill>
+          <a:schemeClr val="tx1"/>
+        </a:solidFill>
+        <a:latin typeface="+mn-lt"/>
+        <a:ea typeface="+mn-ea"/>
+        <a:cs typeface="+mn-cs"/>
+      </a:defRPr>
+    </a:lvl7pPr>
+    <a:lvl8pPr marL="3200400" algn="l" defTabSz="914400" rtl="0" eaLnBrk="1" latinLnBrk="0" hangingPunct="1">
+      <a:defRPr sz="1200" kern="1200">
+        <a:solidFill>
+          <a:schemeClr val="tx1"/>
+        </a:solidFill>
+        <a:latin typeface="+mn-lt"/>
+        <a:ea typeface="+mn-ea"/>
+        <a:cs typeface="+mn-cs"/>
+      </a:defRPr>
+    </a:lvl8pPr>
+    <a:lvl9pPr marL="3657600" algn="l" defTabSz="914400" rtl="0" eaLnBrk="1" latinLnBrk="0" hangingPunct="1">
+      <a:defRPr sz="1200" kern="1200">
+        <a:solidFill>
+          <a:schemeClr val="tx1"/>
+        </a:solidFill>
+        <a:latin typeface="+mn-lt"/>
+        <a:ea typeface="+mn-ea"/>
+        <a:cs typeface="+mn-cs"/>
+      </a:defRPr>
+    </a:lvl9pPr>
+  </p:notesStyle>
+</p:notesMaster>
+</file>
+
 <file path=ppt/slideLayouts/slideLayout1.xml><?xml version="1.0" encoding="utf-8"?>
 <p:sldLayout xmlns:a="http://schemas.openxmlformats.org/drawingml/2006/main" xmlns:r="http://schemas.openxmlformats.org/officeDocument/2006/relationships" xmlns:p="http://schemas.openxmlformats.org/presentationml/2006/main" showMasterSp="0" type="title" preserve="1">
   <p:cSld name="Title Slide">
@@ -614,10 +966,9 @@
             </a:lvl1pPr>
           </a:lstStyle>
           <a:p>
-            <a:fld id="{5923F103-BC34-4FE4-A40E-EDDEECFDA5D0}" type="datetimeFigureOut">
-              <a:rPr lang="en-US" dirty="0"/>
-              <a:pPr/>
-              <a:t>7/10/2019</a:t>
+            <a:fld id="{2EB003AA-A186-403E-B40F-CA0D80D19802}" type="datetime1">
+              <a:rPr lang="en-US" smtClean="0"/>
+              <a:t>9/12/2019</a:t>
             </a:fld>
             <a:endParaRPr lang="en-US" dirty="0"/>
           </a:p>
@@ -654,10 +1005,10 @@
           </a:lstStyle>
           <a:p>
             <a:r>
-              <a:rPr lang="en-US" dirty="0"/>
-              <a:t>
-              </a:t>
-            </a:r>
+              <a:rPr lang="en-US"/>
+              <a:t>Rochester MakerSpace 2019</a:t>
+            </a:r>
+            <a:endParaRPr lang="en-US" dirty="0"/>
           </a:p>
         </p:txBody>
       </p:sp>
@@ -1703,9 +2054,9 @@
           <a:bodyPr/>
           <a:lstStyle/>
           <a:p>
-            <a:fld id="{923A1CC3-2375-41D4-9E03-427CAF2A4C1A}" type="datetimeFigureOut">
-              <a:rPr lang="en-US" dirty="0"/>
-              <a:t>7/10/2019</a:t>
+            <a:fld id="{73170056-118A-491D-9AE6-FFD6BA5B0F8C}" type="datetime1">
+              <a:rPr lang="en-US" smtClean="0"/>
+              <a:t>9/12/2019</a:t>
             </a:fld>
             <a:endParaRPr lang="en-US" dirty="0"/>
           </a:p>
@@ -1727,10 +2078,10 @@
           <a:lstStyle/>
           <a:p>
             <a:r>
-              <a:rPr lang="en-US" dirty="0"/>
-              <a:t>
-              </a:t>
-            </a:r>
+              <a:rPr lang="en-US"/>
+              <a:t>Rochester MakerSpace 2019</a:t>
+            </a:r>
+            <a:endParaRPr lang="en-US" dirty="0"/>
           </a:p>
         </p:txBody>
       </p:sp>
@@ -2683,9 +3034,9 @@
           <a:bodyPr/>
           <a:lstStyle/>
           <a:p>
-            <a:fld id="{AFF16868-8199-4C2C-A5B1-63AEE139F88E}" type="datetimeFigureOut">
-              <a:rPr lang="en-US" dirty="0"/>
-              <a:t>7/10/2019</a:t>
+            <a:fld id="{FA7E02BB-FBCF-4393-BCCA-DC132ECE7180}" type="datetime1">
+              <a:rPr lang="en-US" smtClean="0"/>
+              <a:t>9/12/2019</a:t>
             </a:fld>
             <a:endParaRPr lang="en-US" dirty="0"/>
           </a:p>
@@ -2707,10 +3058,10 @@
           <a:lstStyle/>
           <a:p>
             <a:r>
-              <a:rPr lang="en-US" dirty="0"/>
-              <a:t>
-              </a:t>
-            </a:r>
+              <a:rPr lang="en-US"/>
+              <a:t>Rochester MakerSpace 2019</a:t>
+            </a:r>
+            <a:endParaRPr lang="en-US" dirty="0"/>
           </a:p>
         </p:txBody>
       </p:sp>
@@ -3817,9 +4168,9 @@
           <a:bodyPr/>
           <a:lstStyle/>
           <a:p>
-            <a:fld id="{AAD9FF7F-6988-44CC-821B-644E70CD2F73}" type="datetimeFigureOut">
-              <a:rPr lang="en-US" dirty="0"/>
-              <a:t>7/10/2019</a:t>
+            <a:fld id="{4D059B24-5B0F-409E-A6BB-11FE0D833521}" type="datetime1">
+              <a:rPr lang="en-US" smtClean="0"/>
+              <a:t>9/12/2019</a:t>
             </a:fld>
             <a:endParaRPr lang="en-US" dirty="0"/>
           </a:p>
@@ -3841,10 +4192,10 @@
           <a:lstStyle/>
           <a:p>
             <a:r>
-              <a:rPr lang="en-US" dirty="0"/>
-              <a:t>
-              </a:t>
-            </a:r>
+              <a:rPr lang="en-US"/>
+              <a:t>Rochester MakerSpace 2019</a:t>
+            </a:r>
+            <a:endParaRPr lang="en-US" dirty="0"/>
           </a:p>
         </p:txBody>
       </p:sp>
@@ -4850,9 +5201,9 @@
           <a:bodyPr/>
           <a:lstStyle/>
           <a:p>
-            <a:fld id="{5C12C299-16B2-4475-990D-751901EACC14}" type="datetimeFigureOut">
-              <a:rPr lang="en-US" dirty="0"/>
-              <a:t>7/10/2019</a:t>
+            <a:fld id="{3422E4E0-8F17-454C-99F3-E37970680F97}" type="datetime1">
+              <a:rPr lang="en-US" smtClean="0"/>
+              <a:t>9/12/2019</a:t>
             </a:fld>
             <a:endParaRPr lang="en-US" dirty="0"/>
           </a:p>
@@ -4874,10 +5225,10 @@
           <a:lstStyle/>
           <a:p>
             <a:r>
-              <a:rPr lang="en-US" dirty="0"/>
-              <a:t>
-              </a:t>
-            </a:r>
+              <a:rPr lang="en-US"/>
+              <a:t>Rochester MakerSpace 2019</a:t>
+            </a:r>
+            <a:endParaRPr lang="en-US" dirty="0"/>
           </a:p>
         </p:txBody>
       </p:sp>
@@ -5510,9 +5861,9 @@
           <a:bodyPr/>
           <a:lstStyle/>
           <a:p>
-            <a:fld id="{9FE86839-B9D8-4651-8783-F325ECE74E65}" type="datetimeFigureOut">
-              <a:rPr lang="en-US" dirty="0"/>
-              <a:t>7/10/2019</a:t>
+            <a:fld id="{B346AADE-8902-4609-BCCF-542F92F9AEC3}" type="datetime1">
+              <a:rPr lang="en-US" smtClean="0"/>
+              <a:t>9/12/2019</a:t>
             </a:fld>
             <a:endParaRPr lang="en-US" dirty="0"/>
           </a:p>
@@ -5534,10 +5885,10 @@
           <a:lstStyle/>
           <a:p>
             <a:r>
-              <a:rPr lang="en-US" dirty="0"/>
-              <a:t>
-              </a:t>
-            </a:r>
+              <a:rPr lang="en-US"/>
+              <a:t>Rochester MakerSpace 2019</a:t>
+            </a:r>
+            <a:endParaRPr lang="en-US" dirty="0"/>
           </a:p>
         </p:txBody>
       </p:sp>
@@ -6371,9 +6722,9 @@
           <a:bodyPr/>
           <a:lstStyle/>
           <a:p>
-            <a:fld id="{FD484F64-32F6-45C5-931F-ADC1662401D0}" type="datetimeFigureOut">
-              <a:rPr lang="en-US" dirty="0"/>
-              <a:t>7/10/2019</a:t>
+            <a:fld id="{8688E6D5-E9A1-42E5-8361-B2EDAB19A0AB}" type="datetime1">
+              <a:rPr lang="en-US" smtClean="0"/>
+              <a:t>9/12/2019</a:t>
             </a:fld>
             <a:endParaRPr lang="en-US" dirty="0"/>
           </a:p>
@@ -6400,10 +6751,10 @@
           <a:lstStyle/>
           <a:p>
             <a:r>
-              <a:rPr lang="en-US" dirty="0"/>
-              <a:t>
-              </a:t>
-            </a:r>
+              <a:rPr lang="en-US"/>
+              <a:t>Rochester MakerSpace 2019</a:t>
+            </a:r>
+            <a:endParaRPr lang="en-US" dirty="0"/>
           </a:p>
         </p:txBody>
       </p:sp>
@@ -6561,9 +6912,9 @@
           <a:bodyPr/>
           <a:lstStyle/>
           <a:p>
-            <a:fld id="{53086D93-FCAC-47E0-A2EE-787E62CA814C}" type="datetimeFigureOut">
-              <a:rPr lang="en-US" dirty="0"/>
-              <a:t>7/10/2019</a:t>
+            <a:fld id="{2B237CEF-0408-470A-9E66-F738D787136A}" type="datetime1">
+              <a:rPr lang="en-US" smtClean="0"/>
+              <a:t>9/12/2019</a:t>
             </a:fld>
             <a:endParaRPr lang="en-US" dirty="0"/>
           </a:p>
@@ -6585,10 +6936,10 @@
           <a:lstStyle/>
           <a:p>
             <a:r>
-              <a:rPr lang="en-US" dirty="0"/>
-              <a:t>
-              </a:t>
-            </a:r>
+              <a:rPr lang="en-US"/>
+              <a:t>Rochester MakerSpace 2019</a:t>
+            </a:r>
+            <a:endParaRPr lang="en-US" dirty="0"/>
           </a:p>
         </p:txBody>
       </p:sp>
@@ -7533,9 +7884,9 @@
           <a:bodyPr/>
           <a:lstStyle/>
           <a:p>
-            <a:fld id="{CDA879A6-0FD0-4734-A311-86BFCA472E6E}" type="datetimeFigureOut">
-              <a:rPr lang="en-US" dirty="0"/>
-              <a:t>7/10/2019</a:t>
+            <a:fld id="{236D46FA-6744-4F92-A2EE-41DC3AE0E489}" type="datetime1">
+              <a:rPr lang="en-US" smtClean="0"/>
+              <a:t>9/12/2019</a:t>
             </a:fld>
             <a:endParaRPr lang="en-US" dirty="0"/>
           </a:p>
@@ -7557,10 +7908,10 @@
           <a:lstStyle/>
           <a:p>
             <a:r>
-              <a:rPr lang="en-US" dirty="0"/>
-              <a:t>
-              </a:t>
-            </a:r>
+              <a:rPr lang="en-US"/>
+              <a:t>Rochester MakerSpace 2019</a:t>
+            </a:r>
+            <a:endParaRPr lang="en-US" dirty="0"/>
           </a:p>
         </p:txBody>
       </p:sp>
@@ -7744,9 +8095,9 @@
           <a:bodyPr/>
           <a:lstStyle/>
           <a:p>
-            <a:fld id="{19C9CA7B-DFD4-44B5-8C60-D14B8CD1FB59}" type="datetimeFigureOut">
-              <a:rPr lang="en-US" dirty="0"/>
-              <a:t>7/10/2019</a:t>
+            <a:fld id="{5B414860-4C29-4317-8C51-C8F42F567418}" type="datetime1">
+              <a:rPr lang="en-US" smtClean="0"/>
+              <a:t>9/12/2019</a:t>
             </a:fld>
             <a:endParaRPr lang="en-US" dirty="0"/>
           </a:p>
@@ -7768,10 +8119,10 @@
           <a:lstStyle/>
           <a:p>
             <a:r>
-              <a:rPr lang="en-US" dirty="0"/>
-              <a:t>
-              </a:t>
-            </a:r>
+              <a:rPr lang="en-US"/>
+              <a:t>Rochester MakerSpace 2019</a:t>
+            </a:r>
+            <a:endParaRPr lang="en-US" dirty="0"/>
           </a:p>
         </p:txBody>
       </p:sp>
@@ -8778,9 +9129,9 @@
           <a:bodyPr/>
           <a:lstStyle/>
           <a:p>
-            <a:fld id="{F34E6425-0181-43F2-84FC-787E803FD2F8}" type="datetimeFigureOut">
-              <a:rPr lang="en-US" dirty="0"/>
-              <a:t>7/10/2019</a:t>
+            <a:fld id="{C51DA914-AF10-40ED-809F-873BC003367F}" type="datetime1">
+              <a:rPr lang="en-US" smtClean="0"/>
+              <a:t>9/12/2019</a:t>
             </a:fld>
             <a:endParaRPr lang="en-US" dirty="0"/>
           </a:p>
@@ -8802,10 +9153,10 @@
           <a:lstStyle/>
           <a:p>
             <a:r>
-              <a:rPr lang="en-US" dirty="0"/>
-              <a:t>
-              </a:t>
-            </a:r>
+              <a:rPr lang="en-US"/>
+              <a:t>Rochester MakerSpace 2019</a:t>
+            </a:r>
+            <a:endParaRPr lang="en-US" dirty="0"/>
           </a:p>
         </p:txBody>
       </p:sp>
@@ -9050,9 +9401,9 @@
           <a:bodyPr/>
           <a:lstStyle/>
           <a:p>
-            <a:fld id="{3BDB8791-F1B0-41E7-B7FD-A781E65C4266}" type="datetimeFigureOut">
-              <a:rPr lang="en-US" dirty="0"/>
-              <a:t>7/10/2019</a:t>
+            <a:fld id="{2DF15697-1E0E-4154-BD03-5C8AE97FC665}" type="datetime1">
+              <a:rPr lang="en-US" smtClean="0"/>
+              <a:t>9/12/2019</a:t>
             </a:fld>
             <a:endParaRPr lang="en-US" dirty="0"/>
           </a:p>
@@ -9074,10 +9425,10 @@
           <a:lstStyle/>
           <a:p>
             <a:r>
-              <a:rPr lang="en-US" dirty="0"/>
-              <a:t>
-              </a:t>
-            </a:r>
+              <a:rPr lang="en-US"/>
+              <a:t>Rochester MakerSpace 2019</a:t>
+            </a:r>
+            <a:endParaRPr lang="en-US" dirty="0"/>
           </a:p>
         </p:txBody>
       </p:sp>
@@ -9460,9 +9811,9 @@
           <a:bodyPr/>
           <a:lstStyle/>
           <a:p>
-            <a:fld id="{5FDD63B2-E120-4ED8-B27B-C685F510A5FE}" type="datetimeFigureOut">
-              <a:rPr lang="en-US" dirty="0"/>
-              <a:t>7/10/2019</a:t>
+            <a:fld id="{2C0545CB-6A7B-40EA-AB25-C2D74D0997BD}" type="datetime1">
+              <a:rPr lang="en-US" smtClean="0"/>
+              <a:t>9/12/2019</a:t>
             </a:fld>
             <a:endParaRPr lang="en-US" dirty="0"/>
           </a:p>
@@ -9484,10 +9835,10 @@
           <a:lstStyle/>
           <a:p>
             <a:r>
-              <a:rPr lang="en-US" dirty="0"/>
-              <a:t>
-              </a:t>
-            </a:r>
+              <a:rPr lang="en-US"/>
+              <a:t>Rochester MakerSpace 2019</a:t>
+            </a:r>
+            <a:endParaRPr lang="en-US" dirty="0"/>
           </a:p>
         </p:txBody>
       </p:sp>
@@ -9587,9 +9938,9 @@
           <a:bodyPr/>
           <a:lstStyle/>
           <a:p>
-            <a:fld id="{7AA18ACC-A947-437B-A130-35BD54FDF1E9}" type="datetimeFigureOut">
-              <a:rPr lang="en-US" dirty="0"/>
-              <a:t>7/10/2019</a:t>
+            <a:fld id="{C6F3B242-92FD-458A-B575-EFD7C034DE79}" type="datetime1">
+              <a:rPr lang="en-US" smtClean="0"/>
+              <a:t>9/12/2019</a:t>
             </a:fld>
             <a:endParaRPr lang="en-US" dirty="0"/>
           </a:p>
@@ -9611,10 +9962,10 @@
           <a:lstStyle/>
           <a:p>
             <a:r>
-              <a:rPr lang="en-US" dirty="0"/>
-              <a:t>
-              </a:t>
-            </a:r>
+              <a:rPr lang="en-US"/>
+              <a:t>Rochester MakerSpace 2019</a:t>
+            </a:r>
+            <a:endParaRPr lang="en-US" dirty="0"/>
           </a:p>
         </p:txBody>
       </p:sp>
@@ -9682,9 +10033,9 @@
           <a:bodyPr/>
           <a:lstStyle/>
           <a:p>
-            <a:fld id="{7C8D7E02-BCB8-4D50-A234-369438C08659}" type="datetimeFigureOut">
-              <a:rPr lang="en-US" dirty="0"/>
-              <a:t>7/10/2019</a:t>
+            <a:fld id="{BDC34E49-9723-424E-8E99-747562F4CCD8}" type="datetime1">
+              <a:rPr lang="en-US" smtClean="0"/>
+              <a:t>9/12/2019</a:t>
             </a:fld>
             <a:endParaRPr lang="en-US" dirty="0"/>
           </a:p>
@@ -9706,10 +10057,10 @@
           <a:lstStyle/>
           <a:p>
             <a:r>
-              <a:rPr lang="en-US" dirty="0"/>
-              <a:t>
-              </a:t>
-            </a:r>
+              <a:rPr lang="en-US"/>
+              <a:t>Rochester MakerSpace 2019</a:t>
+            </a:r>
+            <a:endParaRPr lang="en-US" dirty="0"/>
           </a:p>
         </p:txBody>
       </p:sp>
@@ -10763,9 +11114,9 @@
           <a:bodyPr/>
           <a:lstStyle/>
           <a:p>
-            <a:fld id="{76E86A4C-8E40-4F87-A4F0-01A0687C5742}" type="datetimeFigureOut">
-              <a:rPr lang="en-US" dirty="0"/>
-              <a:t>7/10/2019</a:t>
+            <a:fld id="{1C6E4D46-697B-41D4-BFA6-43B410F3B65B}" type="datetime1">
+              <a:rPr lang="en-US" smtClean="0"/>
+              <a:t>9/12/2019</a:t>
             </a:fld>
             <a:endParaRPr lang="en-US" dirty="0"/>
           </a:p>
@@ -10787,10 +11138,10 @@
           <a:lstStyle/>
           <a:p>
             <a:r>
-              <a:rPr lang="en-US" dirty="0"/>
-              <a:t>
-              </a:t>
-            </a:r>
+              <a:rPr lang="en-US"/>
+              <a:t>Rochester MakerSpace 2019</a:t>
+            </a:r>
+            <a:endParaRPr lang="en-US" dirty="0"/>
           </a:p>
         </p:txBody>
       </p:sp>
@@ -11871,9 +12222,9 @@
           <a:bodyPr/>
           <a:lstStyle/>
           <a:p>
-            <a:fld id="{35E72C73-2D91-4E12-BA25-F0AA0C03599B}" type="datetimeFigureOut">
-              <a:rPr lang="en-US" dirty="0"/>
-              <a:t>7/10/2019</a:t>
+            <a:fld id="{C46F7A30-26DA-4CD0-A6EE-C5929620741E}" type="datetime1">
+              <a:rPr lang="en-US" smtClean="0"/>
+              <a:t>9/12/2019</a:t>
             </a:fld>
             <a:endParaRPr lang="en-US" dirty="0"/>
           </a:p>
@@ -11895,10 +12246,10 @@
           <a:lstStyle/>
           <a:p>
             <a:r>
-              <a:rPr lang="en-US" dirty="0"/>
-              <a:t>
-              </a:t>
-            </a:r>
+              <a:rPr lang="en-US"/>
+              <a:t>Rochester MakerSpace 2019</a:t>
+            </a:r>
+            <a:endParaRPr lang="en-US" dirty="0"/>
           </a:p>
         </p:txBody>
       </p:sp>
@@ -12868,9 +13219,9 @@
             </a:lvl1pPr>
           </a:lstStyle>
           <a:p>
-            <a:fld id="{2BE451C3-0FF4-47C4-B829-773ADF60F88C}" type="datetimeFigureOut">
-              <a:rPr lang="en-US" dirty="0"/>
-              <a:t>7/10/2019</a:t>
+            <a:fld id="{DB7D68CB-0922-4C3F-8B66-08244DAE79F9}" type="datetime1">
+              <a:rPr lang="en-US" smtClean="0"/>
+              <a:t>9/12/2019</a:t>
             </a:fld>
             <a:endParaRPr lang="en-US" dirty="0"/>
           </a:p>
@@ -12908,10 +13259,10 @@
           </a:lstStyle>
           <a:p>
             <a:r>
-              <a:rPr lang="en-US" dirty="0"/>
-              <a:t>
-              </a:t>
-            </a:r>
+              <a:rPr lang="en-US"/>
+              <a:t>Rochester MakerSpace 2019</a:t>
+            </a:r>
+            <a:endParaRPr lang="en-US" dirty="0"/>
           </a:p>
         </p:txBody>
       </p:sp>
@@ -13013,7 +13364,7 @@
     <p:sldLayoutId id="2147483658" r:id="rId16"/>
     <p:sldLayoutId id="2147483659" r:id="rId17"/>
   </p:sldLayoutIdLst>
-  <p:hf sldNum="0" hdr="0" ftr="0" dt="0"/>
+  <p:hf hdr="0" dt="0"/>
   <p:txStyles>
     <p:titleStyle>
       <a:lvl1pPr algn="l" defTabSz="457200" rtl="0" eaLnBrk="1" latinLnBrk="0" hangingPunct="1">
@@ -13579,6 +13930,65 @@
           </a:p>
         </p:txBody>
       </p:sp>
+      <p:sp>
+        <p:nvSpPr>
+          <p:cNvPr id="4" name="Footer Placeholder 3">
+            <a:extLst>
+              <a:ext uri="{FF2B5EF4-FFF2-40B4-BE49-F238E27FC236}">
+                <a16:creationId xmlns:a16="http://schemas.microsoft.com/office/drawing/2014/main" id="{E82F1815-5744-4BF5-872E-BF8553BD2760}"/>
+              </a:ext>
+            </a:extLst>
+          </p:cNvPr>
+          <p:cNvSpPr>
+            <a:spLocks noGrp="1"/>
+          </p:cNvSpPr>
+          <p:nvPr>
+            <p:ph type="ftr" sz="quarter" idx="11"/>
+          </p:nvPr>
+        </p:nvSpPr>
+        <p:spPr/>
+        <p:txBody>
+          <a:bodyPr/>
+          <a:lstStyle/>
+          <a:p>
+            <a:r>
+              <a:rPr lang="en-US"/>
+              <a:t>Rochester MakerSpace 2019</a:t>
+            </a:r>
+            <a:endParaRPr lang="en-US" dirty="0"/>
+          </a:p>
+        </p:txBody>
+      </p:sp>
+      <p:sp>
+        <p:nvSpPr>
+          <p:cNvPr id="5" name="Slide Number Placeholder 4">
+            <a:extLst>
+              <a:ext uri="{FF2B5EF4-FFF2-40B4-BE49-F238E27FC236}">
+                <a16:creationId xmlns:a16="http://schemas.microsoft.com/office/drawing/2014/main" id="{F6365E9D-FAFF-4E21-9800-A6294C4A6317}"/>
+              </a:ext>
+            </a:extLst>
+          </p:cNvPr>
+          <p:cNvSpPr>
+            <a:spLocks noGrp="1"/>
+          </p:cNvSpPr>
+          <p:nvPr>
+            <p:ph type="sldNum" sz="quarter" idx="12"/>
+          </p:nvPr>
+        </p:nvSpPr>
+        <p:spPr/>
+        <p:txBody>
+          <a:bodyPr/>
+          <a:lstStyle/>
+          <a:p>
+            <a:fld id="{D57F1E4F-1CFF-5643-939E-217C01CDF565}" type="slidenum">
+              <a:rPr lang="en-US" smtClean="0"/>
+              <a:pPr/>
+              <a:t>2</a:t>
+            </a:fld>
+            <a:endParaRPr lang="en-US" dirty="0"/>
+          </a:p>
+        </p:txBody>
+      </p:sp>
     </p:spTree>
     <p:extLst>
       <p:ext uri="{BB962C8B-B14F-4D97-AF65-F5344CB8AC3E}">
@@ -13718,7 +14128,15 @@
           <a:p>
             <a:r>
               <a:rPr lang="en-US" sz="1200" dirty="0"/>
-              <a:t>Micro SD port for loading your operating system and storing data</a:t>
+              <a:t>Micro SD port for </a:t>
+            </a:r>
+            <a:r>
+              <a:rPr lang="en-US" sz="1200"/>
+              <a:t>loading operating </a:t>
+            </a:r>
+            <a:r>
+              <a:rPr lang="en-US" sz="1200" dirty="0"/>
+              <a:t>system and storing data</a:t>
             </a:r>
           </a:p>
           <a:p>
@@ -13758,6 +14176,65 @@
           </a:prstGeom>
         </p:spPr>
       </p:pic>
+      <p:sp>
+        <p:nvSpPr>
+          <p:cNvPr id="5" name="Footer Placeholder 4">
+            <a:extLst>
+              <a:ext uri="{FF2B5EF4-FFF2-40B4-BE49-F238E27FC236}">
+                <a16:creationId xmlns:a16="http://schemas.microsoft.com/office/drawing/2014/main" id="{66EFA7FA-593E-4E3C-B13B-FE93F94519C3}"/>
+              </a:ext>
+            </a:extLst>
+          </p:cNvPr>
+          <p:cNvSpPr>
+            <a:spLocks noGrp="1"/>
+          </p:cNvSpPr>
+          <p:nvPr>
+            <p:ph type="ftr" sz="quarter" idx="11"/>
+          </p:nvPr>
+        </p:nvSpPr>
+        <p:spPr/>
+        <p:txBody>
+          <a:bodyPr/>
+          <a:lstStyle/>
+          <a:p>
+            <a:r>
+              <a:rPr lang="en-US"/>
+              <a:t>Rochester MakerSpace 2019</a:t>
+            </a:r>
+            <a:endParaRPr lang="en-US" dirty="0"/>
+          </a:p>
+        </p:txBody>
+      </p:sp>
+      <p:sp>
+        <p:nvSpPr>
+          <p:cNvPr id="6" name="Slide Number Placeholder 5">
+            <a:extLst>
+              <a:ext uri="{FF2B5EF4-FFF2-40B4-BE49-F238E27FC236}">
+                <a16:creationId xmlns:a16="http://schemas.microsoft.com/office/drawing/2014/main" id="{381527EF-8EBC-4639-86F1-3713F211E237}"/>
+              </a:ext>
+            </a:extLst>
+          </p:cNvPr>
+          <p:cNvSpPr>
+            <a:spLocks noGrp="1"/>
+          </p:cNvSpPr>
+          <p:nvPr>
+            <p:ph type="sldNum" sz="quarter" idx="12"/>
+          </p:nvPr>
+        </p:nvSpPr>
+        <p:spPr/>
+        <p:txBody>
+          <a:bodyPr/>
+          <a:lstStyle/>
+          <a:p>
+            <a:fld id="{D57F1E4F-1CFF-5643-939E-217C01CDF565}" type="slidenum">
+              <a:rPr lang="en-US" smtClean="0"/>
+              <a:pPr/>
+              <a:t>3</a:t>
+            </a:fld>
+            <a:endParaRPr lang="en-US" dirty="0"/>
+          </a:p>
+        </p:txBody>
+      </p:sp>
     </p:spTree>
     <p:extLst>
       <p:ext uri="{BB962C8B-B14F-4D97-AF65-F5344CB8AC3E}">
@@ -13929,6 +14406,65 @@
           </a:prstGeom>
         </p:spPr>
       </p:pic>
+      <p:sp>
+        <p:nvSpPr>
+          <p:cNvPr id="5" name="Footer Placeholder 4">
+            <a:extLst>
+              <a:ext uri="{FF2B5EF4-FFF2-40B4-BE49-F238E27FC236}">
+                <a16:creationId xmlns:a16="http://schemas.microsoft.com/office/drawing/2014/main" id="{D08513CC-C787-416F-A1DD-36294962AA69}"/>
+              </a:ext>
+            </a:extLst>
+          </p:cNvPr>
+          <p:cNvSpPr>
+            <a:spLocks noGrp="1"/>
+          </p:cNvSpPr>
+          <p:nvPr>
+            <p:ph type="ftr" sz="quarter" idx="11"/>
+          </p:nvPr>
+        </p:nvSpPr>
+        <p:spPr/>
+        <p:txBody>
+          <a:bodyPr/>
+          <a:lstStyle/>
+          <a:p>
+            <a:r>
+              <a:rPr lang="en-US"/>
+              <a:t>Rochester MakerSpace 2019</a:t>
+            </a:r>
+            <a:endParaRPr lang="en-US" dirty="0"/>
+          </a:p>
+        </p:txBody>
+      </p:sp>
+      <p:sp>
+        <p:nvSpPr>
+          <p:cNvPr id="6" name="Slide Number Placeholder 5">
+            <a:extLst>
+              <a:ext uri="{FF2B5EF4-FFF2-40B4-BE49-F238E27FC236}">
+                <a16:creationId xmlns:a16="http://schemas.microsoft.com/office/drawing/2014/main" id="{A8A29384-FD31-4836-B899-049B79EA471F}"/>
+              </a:ext>
+            </a:extLst>
+          </p:cNvPr>
+          <p:cNvSpPr>
+            <a:spLocks noGrp="1"/>
+          </p:cNvSpPr>
+          <p:nvPr>
+            <p:ph type="sldNum" sz="quarter" idx="12"/>
+          </p:nvPr>
+        </p:nvSpPr>
+        <p:spPr/>
+        <p:txBody>
+          <a:bodyPr/>
+          <a:lstStyle/>
+          <a:p>
+            <a:fld id="{D57F1E4F-1CFF-5643-939E-217C01CDF565}" type="slidenum">
+              <a:rPr lang="en-US" smtClean="0"/>
+              <a:pPr/>
+              <a:t>4</a:t>
+            </a:fld>
+            <a:endParaRPr lang="en-US" dirty="0"/>
+          </a:p>
+        </p:txBody>
+      </p:sp>
     </p:spTree>
     <p:extLst>
       <p:ext uri="{BB962C8B-B14F-4D97-AF65-F5344CB8AC3E}">
@@ -14018,12 +14554,8 @@
           </a:p>
           <a:p>
             <a:r>
-              <a:rPr lang="en-US"/>
-              <a:t>Raspberry </a:t>
-            </a:r>
-            <a:r>
               <a:rPr lang="en-US" dirty="0"/>
-              <a:t>Pi 4 offers a faster processor, two USB 3.0 ports, two (micro) HDMI ports, options of 1GB, 2GB, or 4GB of RAM</a:t>
+              <a:t>Raspberry Pi 4 offers a faster processor, two USB 3.0 ports, two (micro) HDMI ports, options of 1GB, 2GB, or 4GB of RAM</a:t>
             </a:r>
           </a:p>
           <a:p>
@@ -14056,7 +14588,7 @@
         </p:blipFill>
         <p:spPr>
           <a:xfrm>
-            <a:off x="5213081" y="709612"/>
+            <a:off x="5535660" y="1316848"/>
             <a:ext cx="6229350" cy="5438775"/>
           </a:xfrm>
           <a:prstGeom prst="rect">
@@ -14064,6 +14596,65 @@
           </a:prstGeom>
         </p:spPr>
       </p:pic>
+      <p:sp>
+        <p:nvSpPr>
+          <p:cNvPr id="5" name="Footer Placeholder 4">
+            <a:extLst>
+              <a:ext uri="{FF2B5EF4-FFF2-40B4-BE49-F238E27FC236}">
+                <a16:creationId xmlns:a16="http://schemas.microsoft.com/office/drawing/2014/main" id="{538F1A3E-62B7-45C0-8B90-9B1148941FB6}"/>
+              </a:ext>
+            </a:extLst>
+          </p:cNvPr>
+          <p:cNvSpPr>
+            <a:spLocks noGrp="1"/>
+          </p:cNvSpPr>
+          <p:nvPr>
+            <p:ph type="ftr" sz="quarter" idx="11"/>
+          </p:nvPr>
+        </p:nvSpPr>
+        <p:spPr/>
+        <p:txBody>
+          <a:bodyPr/>
+          <a:lstStyle/>
+          <a:p>
+            <a:r>
+              <a:rPr lang="en-US"/>
+              <a:t>Rochester MakerSpace 2019</a:t>
+            </a:r>
+            <a:endParaRPr lang="en-US" dirty="0"/>
+          </a:p>
+        </p:txBody>
+      </p:sp>
+      <p:sp>
+        <p:nvSpPr>
+          <p:cNvPr id="6" name="Slide Number Placeholder 5">
+            <a:extLst>
+              <a:ext uri="{FF2B5EF4-FFF2-40B4-BE49-F238E27FC236}">
+                <a16:creationId xmlns:a16="http://schemas.microsoft.com/office/drawing/2014/main" id="{E1A731E7-0390-40F3-A8D3-E1F7F36FE185}"/>
+              </a:ext>
+            </a:extLst>
+          </p:cNvPr>
+          <p:cNvSpPr>
+            <a:spLocks noGrp="1"/>
+          </p:cNvSpPr>
+          <p:nvPr>
+            <p:ph type="sldNum" sz="quarter" idx="12"/>
+          </p:nvPr>
+        </p:nvSpPr>
+        <p:spPr/>
+        <p:txBody>
+          <a:bodyPr/>
+          <a:lstStyle/>
+          <a:p>
+            <a:fld id="{D57F1E4F-1CFF-5643-939E-217C01CDF565}" type="slidenum">
+              <a:rPr lang="en-US" smtClean="0"/>
+              <a:pPr/>
+              <a:t>5</a:t>
+            </a:fld>
+            <a:endParaRPr lang="en-US" dirty="0"/>
+          </a:p>
+        </p:txBody>
+      </p:sp>
     </p:spTree>
     <p:extLst>
       <p:ext uri="{BB962C8B-B14F-4D97-AF65-F5344CB8AC3E}">
@@ -14230,12 +14821,8 @@
           <a:p>
             <a:pPr lvl="1"/>
             <a:r>
-              <a:rPr lang="en-US"/>
-              <a:t>Non-real-time OS makes </a:t>
-            </a:r>
-            <a:r>
               <a:rPr lang="en-US" dirty="0"/>
-              <a:t>real-time programming impractical</a:t>
+              <a:t>Non-real-time OS makes real-time programming impractical</a:t>
             </a:r>
           </a:p>
           <a:p>
@@ -14263,7 +14850,7 @@
             <a:pPr lvl="1"/>
             <a:r>
               <a:rPr lang="en-US" dirty="0"/>
-              <a:t>No A/D inputs</a:t>
+              <a:t>No Analog (A/D) inputs</a:t>
             </a:r>
           </a:p>
           <a:p>
@@ -14271,6 +14858,13 @@
             <a:r>
               <a:rPr lang="en-US" dirty="0"/>
               <a:t>Narrow input voltage tolerance</a:t>
+            </a:r>
+          </a:p>
+          <a:p>
+            <a:pPr lvl="1"/>
+            <a:r>
+              <a:rPr lang="en-US" dirty="0"/>
+              <a:t>More expensive</a:t>
             </a:r>
           </a:p>
         </p:txBody>
@@ -14283,8 +14877,8 @@
         </p:nvSpPr>
         <p:spPr>
           <a:xfrm>
-            <a:off x="1472339" y="6152827"/>
-            <a:ext cx="10042902" cy="461665"/>
+            <a:off x="3011647" y="6082573"/>
+            <a:ext cx="8486815" cy="461665"/>
           </a:xfrm>
           <a:prstGeom prst="rect">
             <a:avLst/>
@@ -14301,6 +14895,65 @@
               <a:rPr lang="en-US" sz="2400" b="1" dirty="0"/>
               <a:t>Bottom Line: Choose the right tool for the job</a:t>
             </a:r>
+          </a:p>
+        </p:txBody>
+      </p:sp>
+      <p:sp>
+        <p:nvSpPr>
+          <p:cNvPr id="3" name="Footer Placeholder 2">
+            <a:extLst>
+              <a:ext uri="{FF2B5EF4-FFF2-40B4-BE49-F238E27FC236}">
+                <a16:creationId xmlns:a16="http://schemas.microsoft.com/office/drawing/2014/main" id="{DADEAE08-5C30-4988-BC51-82212638D973}"/>
+              </a:ext>
+            </a:extLst>
+          </p:cNvPr>
+          <p:cNvSpPr>
+            <a:spLocks noGrp="1"/>
+          </p:cNvSpPr>
+          <p:nvPr>
+            <p:ph type="ftr" sz="quarter" idx="11"/>
+          </p:nvPr>
+        </p:nvSpPr>
+        <p:spPr/>
+        <p:txBody>
+          <a:bodyPr/>
+          <a:lstStyle/>
+          <a:p>
+            <a:r>
+              <a:rPr lang="en-US"/>
+              <a:t>Rochester MakerSpace 2019</a:t>
+            </a:r>
+            <a:endParaRPr lang="en-US" dirty="0"/>
+          </a:p>
+        </p:txBody>
+      </p:sp>
+      <p:sp>
+        <p:nvSpPr>
+          <p:cNvPr id="7" name="Slide Number Placeholder 6">
+            <a:extLst>
+              <a:ext uri="{FF2B5EF4-FFF2-40B4-BE49-F238E27FC236}">
+                <a16:creationId xmlns:a16="http://schemas.microsoft.com/office/drawing/2014/main" id="{C7AC470B-906D-4460-960B-D4BA48604C14}"/>
+              </a:ext>
+            </a:extLst>
+          </p:cNvPr>
+          <p:cNvSpPr>
+            <a:spLocks noGrp="1"/>
+          </p:cNvSpPr>
+          <p:nvPr>
+            <p:ph type="sldNum" sz="quarter" idx="12"/>
+          </p:nvPr>
+        </p:nvSpPr>
+        <p:spPr/>
+        <p:txBody>
+          <a:bodyPr/>
+          <a:lstStyle/>
+          <a:p>
+            <a:fld id="{D57F1E4F-1CFF-5643-939E-217C01CDF565}" type="slidenum">
+              <a:rPr lang="en-US" smtClean="0"/>
+              <a:pPr/>
+              <a:t>6</a:t>
+            </a:fld>
+            <a:endParaRPr lang="en-US" dirty="0"/>
           </a:p>
         </p:txBody>
       </p:sp>
@@ -14426,6 +15079,65 @@
               <a:rPr lang="en-US" dirty="0"/>
               <a:t>Lots of examples online if you are looking for inspiration</a:t>
             </a:r>
+          </a:p>
+        </p:txBody>
+      </p:sp>
+      <p:sp>
+        <p:nvSpPr>
+          <p:cNvPr id="3" name="Footer Placeholder 2">
+            <a:extLst>
+              <a:ext uri="{FF2B5EF4-FFF2-40B4-BE49-F238E27FC236}">
+                <a16:creationId xmlns:a16="http://schemas.microsoft.com/office/drawing/2014/main" id="{06B950DD-B67F-4970-84AB-1399722E2E8B}"/>
+              </a:ext>
+            </a:extLst>
+          </p:cNvPr>
+          <p:cNvSpPr>
+            <a:spLocks noGrp="1"/>
+          </p:cNvSpPr>
+          <p:nvPr>
+            <p:ph type="ftr" sz="quarter" idx="11"/>
+          </p:nvPr>
+        </p:nvSpPr>
+        <p:spPr/>
+        <p:txBody>
+          <a:bodyPr/>
+          <a:lstStyle/>
+          <a:p>
+            <a:r>
+              <a:rPr lang="en-US"/>
+              <a:t>Rochester MakerSpace 2019</a:t>
+            </a:r>
+            <a:endParaRPr lang="en-US" dirty="0"/>
+          </a:p>
+        </p:txBody>
+      </p:sp>
+      <p:sp>
+        <p:nvSpPr>
+          <p:cNvPr id="4" name="Slide Number Placeholder 3">
+            <a:extLst>
+              <a:ext uri="{FF2B5EF4-FFF2-40B4-BE49-F238E27FC236}">
+                <a16:creationId xmlns:a16="http://schemas.microsoft.com/office/drawing/2014/main" id="{362E236B-47B4-42DA-B86C-35256B18C197}"/>
+              </a:ext>
+            </a:extLst>
+          </p:cNvPr>
+          <p:cNvSpPr>
+            <a:spLocks noGrp="1"/>
+          </p:cNvSpPr>
+          <p:nvPr>
+            <p:ph type="sldNum" sz="quarter" idx="12"/>
+          </p:nvPr>
+        </p:nvSpPr>
+        <p:spPr/>
+        <p:txBody>
+          <a:bodyPr/>
+          <a:lstStyle/>
+          <a:p>
+            <a:fld id="{D57F1E4F-1CFF-5643-939E-217C01CDF565}" type="slidenum">
+              <a:rPr lang="en-US" smtClean="0"/>
+              <a:pPr/>
+              <a:t>7</a:t>
+            </a:fld>
+            <a:endParaRPr lang="en-US" dirty="0"/>
           </a:p>
         </p:txBody>
       </p:sp>
@@ -14704,4 +15416,299 @@
     </a:ext>
   </a:extLst>
 </a:theme>
+</file>
+
+<file path=ppt/theme/theme2.xml><?xml version="1.0" encoding="utf-8"?>
+<a:theme xmlns:a="http://schemas.openxmlformats.org/drawingml/2006/main" name="Office Theme">
+  <a:themeElements>
+    <a:clrScheme name="Office">
+      <a:dk1>
+        <a:sysClr val="windowText" lastClr="000000"/>
+      </a:dk1>
+      <a:lt1>
+        <a:sysClr val="window" lastClr="FFFFFF"/>
+      </a:lt1>
+      <a:dk2>
+        <a:srgbClr val="44546A"/>
+      </a:dk2>
+      <a:lt2>
+        <a:srgbClr val="E7E6E6"/>
+      </a:lt2>
+      <a:accent1>
+        <a:srgbClr val="4472C4"/>
+      </a:accent1>
+      <a:accent2>
+        <a:srgbClr val="ED7D31"/>
+      </a:accent2>
+      <a:accent3>
+        <a:srgbClr val="A5A5A5"/>
+      </a:accent3>
+      <a:accent4>
+        <a:srgbClr val="FFC000"/>
+      </a:accent4>
+      <a:accent5>
+        <a:srgbClr val="5B9BD5"/>
+      </a:accent5>
+      <a:accent6>
+        <a:srgbClr val="70AD47"/>
+      </a:accent6>
+      <a:hlink>
+        <a:srgbClr val="0563C1"/>
+      </a:hlink>
+      <a:folHlink>
+        <a:srgbClr val="954F72"/>
+      </a:folHlink>
+    </a:clrScheme>
+    <a:fontScheme name="Office">
+      <a:majorFont>
+        <a:latin typeface="Calibri Light" panose="020F0302020204030204"/>
+        <a:ea typeface=""/>
+        <a:cs typeface=""/>
+        <a:font script="Jpan" typeface="游ゴシック Light"/>
+        <a:font script="Hang" typeface="맑은 고딕"/>
+        <a:font script="Hans" typeface="等线 Light"/>
+        <a:font script="Hant" typeface="新細明體"/>
+        <a:font script="Arab" typeface="Times New Roman"/>
+        <a:font script="Hebr" typeface="Times New Roman"/>
+        <a:font script="Thai" typeface="Angsana New"/>
+        <a:font script="Ethi" typeface="Nyala"/>
+        <a:font script="Beng" typeface="Vrinda"/>
+        <a:font script="Gujr" typeface="Shruti"/>
+        <a:font script="Khmr" typeface="MoolBoran"/>
+        <a:font script="Knda" typeface="Tunga"/>
+        <a:font script="Guru" typeface="Raavi"/>
+        <a:font script="Cans" typeface="Euphemia"/>
+        <a:font script="Cher" typeface="Plantagenet Cherokee"/>
+        <a:font script="Yiii" typeface="Microsoft Yi Baiti"/>
+        <a:font script="Tibt" typeface="Microsoft Himalaya"/>
+        <a:font script="Thaa" typeface="MV Boli"/>
+        <a:font script="Deva" typeface="Mangal"/>
+        <a:font script="Telu" typeface="Gautami"/>
+        <a:font script="Taml" typeface="Latha"/>
+        <a:font script="Syrc" typeface="Estrangelo Edessa"/>
+        <a:font script="Orya" typeface="Kalinga"/>
+        <a:font script="Mlym" typeface="Kartika"/>
+        <a:font script="Laoo" typeface="DokChampa"/>
+        <a:font script="Sinh" typeface="Iskoola Pota"/>
+        <a:font script="Mong" typeface="Mongolian Baiti"/>
+        <a:font script="Viet" typeface="Times New Roman"/>
+        <a:font script="Uigh" typeface="Microsoft Uighur"/>
+        <a:font script="Geor" typeface="Sylfaen"/>
+        <a:font script="Armn" typeface="Arial"/>
+        <a:font script="Bugi" typeface="Leelawadee UI"/>
+        <a:font script="Bopo" typeface="Microsoft JhengHei"/>
+        <a:font script="Java" typeface="Javanese Text"/>
+        <a:font script="Lisu" typeface="Segoe UI"/>
+        <a:font script="Mymr" typeface="Myanmar Text"/>
+        <a:font script="Nkoo" typeface="Ebrima"/>
+        <a:font script="Olck" typeface="Nirmala UI"/>
+        <a:font script="Osma" typeface="Ebrima"/>
+        <a:font script="Phag" typeface="Phagspa"/>
+        <a:font script="Syrn" typeface="Estrangelo Edessa"/>
+        <a:font script="Syrj" typeface="Estrangelo Edessa"/>
+        <a:font script="Syre" typeface="Estrangelo Edessa"/>
+        <a:font script="Sora" typeface="Nirmala UI"/>
+        <a:font script="Tale" typeface="Microsoft Tai Le"/>
+        <a:font script="Talu" typeface="Microsoft New Tai Lue"/>
+        <a:font script="Tfng" typeface="Ebrima"/>
+      </a:majorFont>
+      <a:minorFont>
+        <a:latin typeface="Calibri" panose="020F0502020204030204"/>
+        <a:ea typeface=""/>
+        <a:cs typeface=""/>
+        <a:font script="Jpan" typeface="游ゴシック"/>
+        <a:font script="Hang" typeface="맑은 고딕"/>
+        <a:font script="Hans" typeface="等线"/>
+        <a:font script="Hant" typeface="新細明體"/>
+        <a:font script="Arab" typeface="Arial"/>
+        <a:font script="Hebr" typeface="Arial"/>
+        <a:font script="Thai" typeface="Cordia New"/>
+        <a:font script="Ethi" typeface="Nyala"/>
+        <a:font script="Beng" typeface="Vrinda"/>
+        <a:font script="Gujr" typeface="Shruti"/>
+        <a:font script="Khmr" typeface="DaunPenh"/>
+        <a:font script="Knda" typeface="Tunga"/>
+        <a:font script="Guru" typeface="Raavi"/>
+        <a:font script="Cans" typeface="Euphemia"/>
+        <a:font script="Cher" typeface="Plantagenet Cherokee"/>
+        <a:font script="Yiii" typeface="Microsoft Yi Baiti"/>
+        <a:font script="Tibt" typeface="Microsoft Himalaya"/>
+        <a:font script="Thaa" typeface="MV Boli"/>
+        <a:font script="Deva" typeface="Mangal"/>
+        <a:font script="Telu" typeface="Gautami"/>
+        <a:font script="Taml" typeface="Latha"/>
+        <a:font script="Syrc" typeface="Estrangelo Edessa"/>
+        <a:font script="Orya" typeface="Kalinga"/>
+        <a:font script="Mlym" typeface="Kartika"/>
+        <a:font script="Laoo" typeface="DokChampa"/>
+        <a:font script="Sinh" typeface="Iskoola Pota"/>
+        <a:font script="Mong" typeface="Mongolian Baiti"/>
+        <a:font script="Viet" typeface="Arial"/>
+        <a:font script="Uigh" typeface="Microsoft Uighur"/>
+        <a:font script="Geor" typeface="Sylfaen"/>
+        <a:font script="Armn" typeface="Arial"/>
+        <a:font script="Bugi" typeface="Leelawadee UI"/>
+        <a:font script="Bopo" typeface="Microsoft JhengHei"/>
+        <a:font script="Java" typeface="Javanese Text"/>
+        <a:font script="Lisu" typeface="Segoe UI"/>
+        <a:font script="Mymr" typeface="Myanmar Text"/>
+        <a:font script="Nkoo" typeface="Ebrima"/>
+        <a:font script="Olck" typeface="Nirmala UI"/>
+        <a:font script="Osma" typeface="Ebrima"/>
+        <a:font script="Phag" typeface="Phagspa"/>
+        <a:font script="Syrn" typeface="Estrangelo Edessa"/>
+        <a:font script="Syrj" typeface="Estrangelo Edessa"/>
+        <a:font script="Syre" typeface="Estrangelo Edessa"/>
+        <a:font script="Sora" typeface="Nirmala UI"/>
+        <a:font script="Tale" typeface="Microsoft Tai Le"/>
+        <a:font script="Talu" typeface="Microsoft New Tai Lue"/>
+        <a:font script="Tfng" typeface="Ebrima"/>
+      </a:minorFont>
+    </a:fontScheme>
+    <a:fmtScheme name="Office">
+      <a:fillStyleLst>
+        <a:solidFill>
+          <a:schemeClr val="phClr"/>
+        </a:solidFill>
+        <a:gradFill rotWithShape="1">
+          <a:gsLst>
+            <a:gs pos="0">
+              <a:schemeClr val="phClr">
+                <a:lumMod val="110000"/>
+                <a:satMod val="105000"/>
+                <a:tint val="67000"/>
+              </a:schemeClr>
+            </a:gs>
+            <a:gs pos="50000">
+              <a:schemeClr val="phClr">
+                <a:lumMod val="105000"/>
+                <a:satMod val="103000"/>
+                <a:tint val="73000"/>
+              </a:schemeClr>
+            </a:gs>
+            <a:gs pos="100000">
+              <a:schemeClr val="phClr">
+                <a:lumMod val="105000"/>
+                <a:satMod val="109000"/>
+                <a:tint val="81000"/>
+              </a:schemeClr>
+            </a:gs>
+          </a:gsLst>
+          <a:lin ang="5400000" scaled="0"/>
+        </a:gradFill>
+        <a:gradFill rotWithShape="1">
+          <a:gsLst>
+            <a:gs pos="0">
+              <a:schemeClr val="phClr">
+                <a:satMod val="103000"/>
+                <a:lumMod val="102000"/>
+                <a:tint val="94000"/>
+              </a:schemeClr>
+            </a:gs>
+            <a:gs pos="50000">
+              <a:schemeClr val="phClr">
+                <a:satMod val="110000"/>
+                <a:lumMod val="100000"/>
+                <a:shade val="100000"/>
+              </a:schemeClr>
+            </a:gs>
+            <a:gs pos="100000">
+              <a:schemeClr val="phClr">
+                <a:lumMod val="99000"/>
+                <a:satMod val="120000"/>
+                <a:shade val="78000"/>
+              </a:schemeClr>
+            </a:gs>
+          </a:gsLst>
+          <a:lin ang="5400000" scaled="0"/>
+        </a:gradFill>
+      </a:fillStyleLst>
+      <a:lnStyleLst>
+        <a:ln w="6350" cap="flat" cmpd="sng" algn="ctr">
+          <a:solidFill>
+            <a:schemeClr val="phClr"/>
+          </a:solidFill>
+          <a:prstDash val="solid"/>
+          <a:miter lim="800000"/>
+        </a:ln>
+        <a:ln w="12700" cap="flat" cmpd="sng" algn="ctr">
+          <a:solidFill>
+            <a:schemeClr val="phClr"/>
+          </a:solidFill>
+          <a:prstDash val="solid"/>
+          <a:miter lim="800000"/>
+        </a:ln>
+        <a:ln w="19050" cap="flat" cmpd="sng" algn="ctr">
+          <a:solidFill>
+            <a:schemeClr val="phClr"/>
+          </a:solidFill>
+          <a:prstDash val="solid"/>
+          <a:miter lim="800000"/>
+        </a:ln>
+      </a:lnStyleLst>
+      <a:effectStyleLst>
+        <a:effectStyle>
+          <a:effectLst/>
+        </a:effectStyle>
+        <a:effectStyle>
+          <a:effectLst/>
+        </a:effectStyle>
+        <a:effectStyle>
+          <a:effectLst>
+            <a:outerShdw blurRad="57150" dist="19050" dir="5400000" algn="ctr" rotWithShape="0">
+              <a:srgbClr val="000000">
+                <a:alpha val="63000"/>
+              </a:srgbClr>
+            </a:outerShdw>
+          </a:effectLst>
+        </a:effectStyle>
+      </a:effectStyleLst>
+      <a:bgFillStyleLst>
+        <a:solidFill>
+          <a:schemeClr val="phClr"/>
+        </a:solidFill>
+        <a:solidFill>
+          <a:schemeClr val="phClr">
+            <a:tint val="95000"/>
+            <a:satMod val="170000"/>
+          </a:schemeClr>
+        </a:solidFill>
+        <a:gradFill rotWithShape="1">
+          <a:gsLst>
+            <a:gs pos="0">
+              <a:schemeClr val="phClr">
+                <a:tint val="93000"/>
+                <a:satMod val="150000"/>
+                <a:shade val="98000"/>
+                <a:lumMod val="102000"/>
+              </a:schemeClr>
+            </a:gs>
+            <a:gs pos="50000">
+              <a:schemeClr val="phClr">
+                <a:tint val="98000"/>
+                <a:satMod val="130000"/>
+                <a:shade val="90000"/>
+                <a:lumMod val="103000"/>
+              </a:schemeClr>
+            </a:gs>
+            <a:gs pos="100000">
+              <a:schemeClr val="phClr">
+                <a:shade val="63000"/>
+                <a:satMod val="120000"/>
+              </a:schemeClr>
+            </a:gs>
+          </a:gsLst>
+          <a:lin ang="5400000" scaled="0"/>
+        </a:gradFill>
+      </a:bgFillStyleLst>
+    </a:fmtScheme>
+  </a:themeElements>
+  <a:objectDefaults/>
+  <a:extraClrSchemeLst/>
+  <a:extLst>
+    <a:ext uri="{05A4C25C-085E-4340-85A3-A5531E510DB2}">
+      <thm15:themeFamily xmlns:thm15="http://schemas.microsoft.com/office/thememl/2012/main" name="Office Theme" id="{62F939B6-93AF-4DB8-9C6B-D6C7DFDC589F}" vid="{4A3C46E8-61CC-4603-A589-7422A47A8E4A}"/>
+    </a:ext>
+  </a:extLst>
+</a:theme>
 </file>